--- a/presentations/nvc.pptx
+++ b/presentations/nvc.pptx
@@ -4,8 +4,22 @@
   <p:sldMasterIdLst>
     <p:sldMasterId id="2147483660" r:id="rId1"/>
   </p:sldMasterIdLst>
+  <p:notesMasterIdLst>
+    <p:notesMasterId r:id="rId14"/>
+  </p:notesMasterIdLst>
   <p:sldIdLst>
     <p:sldId id="256" r:id="rId2"/>
+    <p:sldId id="258" r:id="rId3"/>
+    <p:sldId id="259" r:id="rId4"/>
+    <p:sldId id="260" r:id="rId5"/>
+    <p:sldId id="261" r:id="rId6"/>
+    <p:sldId id="262" r:id="rId7"/>
+    <p:sldId id="263" r:id="rId8"/>
+    <p:sldId id="264" r:id="rId9"/>
+    <p:sldId id="269" r:id="rId10"/>
+    <p:sldId id="267" r:id="rId11"/>
+    <p:sldId id="265" r:id="rId12"/>
+    <p:sldId id="266" r:id="rId13"/>
   </p:sldIdLst>
   <p:sldSz cx="9144000" cy="6858000" type="screen4x3"/>
   <p:notesSz cx="6858000" cy="9144000"/>
@@ -105,6 +119,639 @@
     </a:lvl9pPr>
   </p:defaultTextStyle>
 </p:presentation>
+</file>
+
+<file path=ppt/notesMasters/notesMaster1.xml><?xml version="1.0" encoding="utf-8"?>
+<p:notesMaster xmlns:a="http://schemas.openxmlformats.org/drawingml/2006/main" xmlns:r="http://schemas.openxmlformats.org/officeDocument/2006/relationships" xmlns:p="http://schemas.openxmlformats.org/presentationml/2006/main">
+  <p:cSld>
+    <p:bg>
+      <p:bgRef idx="1001">
+        <a:schemeClr val="bg1"/>
+      </p:bgRef>
+    </p:bg>
+    <p:spTree>
+      <p:nvGrpSpPr>
+        <p:cNvPr id="1" name=""/>
+        <p:cNvGrpSpPr/>
+        <p:nvPr/>
+      </p:nvGrpSpPr>
+      <p:grpSpPr>
+        <a:xfrm>
+          <a:off x="0" y="0"/>
+          <a:ext cx="0" cy="0"/>
+          <a:chOff x="0" y="0"/>
+          <a:chExt cx="0" cy="0"/>
+        </a:xfrm>
+      </p:grpSpPr>
+      <p:sp>
+        <p:nvSpPr>
+          <p:cNvPr id="2" name="Header Placeholder 1"/>
+          <p:cNvSpPr>
+            <a:spLocks noGrp="1"/>
+          </p:cNvSpPr>
+          <p:nvPr>
+            <p:ph type="hdr" sz="quarter"/>
+          </p:nvPr>
+        </p:nvSpPr>
+        <p:spPr>
+          <a:xfrm>
+            <a:off x="0" y="0"/>
+            <a:ext cx="2971800" cy="457200"/>
+          </a:xfrm>
+          <a:prstGeom prst="rect">
+            <a:avLst/>
+          </a:prstGeom>
+        </p:spPr>
+        <p:txBody>
+          <a:bodyPr vert="horz" lIns="91440" tIns="45720" rIns="91440" bIns="45720" rtlCol="0"/>
+          <a:lstStyle>
+            <a:lvl1pPr algn="l">
+              <a:defRPr sz="1200"/>
+            </a:lvl1pPr>
+          </a:lstStyle>
+          <a:p>
+            <a:endParaRPr lang="en-US"/>
+          </a:p>
+        </p:txBody>
+      </p:sp>
+      <p:sp>
+        <p:nvSpPr>
+          <p:cNvPr id="3" name="Date Placeholder 2"/>
+          <p:cNvSpPr>
+            <a:spLocks noGrp="1"/>
+          </p:cNvSpPr>
+          <p:nvPr>
+            <p:ph type="dt" idx="1"/>
+          </p:nvPr>
+        </p:nvSpPr>
+        <p:spPr>
+          <a:xfrm>
+            <a:off x="3884613" y="0"/>
+            <a:ext cx="2971800" cy="457200"/>
+          </a:xfrm>
+          <a:prstGeom prst="rect">
+            <a:avLst/>
+          </a:prstGeom>
+        </p:spPr>
+        <p:txBody>
+          <a:bodyPr vert="horz" lIns="91440" tIns="45720" rIns="91440" bIns="45720" rtlCol="0"/>
+          <a:lstStyle>
+            <a:lvl1pPr algn="r">
+              <a:defRPr sz="1200"/>
+            </a:lvl1pPr>
+          </a:lstStyle>
+          <a:p>
+            <a:fld id="{F3542DCC-A0E9-194F-8EFB-40EE3A338FB3}" type="datetimeFigureOut">
+              <a:rPr lang="en-US" smtClean="0"/>
+              <a:t>10/18/16</a:t>
+            </a:fld>
+            <a:endParaRPr lang="en-US"/>
+          </a:p>
+        </p:txBody>
+      </p:sp>
+      <p:sp>
+        <p:nvSpPr>
+          <p:cNvPr id="4" name="Slide Image Placeholder 3"/>
+          <p:cNvSpPr>
+            <a:spLocks noGrp="1" noRot="1" noChangeAspect="1"/>
+          </p:cNvSpPr>
+          <p:nvPr>
+            <p:ph type="sldImg" idx="2"/>
+          </p:nvPr>
+        </p:nvSpPr>
+        <p:spPr>
+          <a:xfrm>
+            <a:off x="1143000" y="685800"/>
+            <a:ext cx="4572000" cy="3429000"/>
+          </a:xfrm>
+          <a:prstGeom prst="rect">
+            <a:avLst/>
+          </a:prstGeom>
+          <a:noFill/>
+          <a:ln w="12700">
+            <a:solidFill>
+              <a:prstClr val="black"/>
+            </a:solidFill>
+          </a:ln>
+        </p:spPr>
+        <p:txBody>
+          <a:bodyPr vert="horz" lIns="91440" tIns="45720" rIns="91440" bIns="45720" rtlCol="0" anchor="ctr"/>
+          <a:lstStyle/>
+          <a:p>
+            <a:endParaRPr lang="en-US"/>
+          </a:p>
+        </p:txBody>
+      </p:sp>
+      <p:sp>
+        <p:nvSpPr>
+          <p:cNvPr id="5" name="Notes Placeholder 4"/>
+          <p:cNvSpPr>
+            <a:spLocks noGrp="1"/>
+          </p:cNvSpPr>
+          <p:nvPr>
+            <p:ph type="body" sz="quarter" idx="3"/>
+          </p:nvPr>
+        </p:nvSpPr>
+        <p:spPr>
+          <a:xfrm>
+            <a:off x="685800" y="4343400"/>
+            <a:ext cx="5486400" cy="4114800"/>
+          </a:xfrm>
+          <a:prstGeom prst="rect">
+            <a:avLst/>
+          </a:prstGeom>
+        </p:spPr>
+        <p:txBody>
+          <a:bodyPr vert="horz" lIns="91440" tIns="45720" rIns="91440" bIns="45720" rtlCol="0"/>
+          <a:lstStyle/>
+          <a:p>
+            <a:pPr lvl="0"/>
+            <a:r>
+              <a:rPr lang="en-CA" smtClean="0"/>
+              <a:t>Click to edit Master text styles</a:t>
+            </a:r>
+          </a:p>
+          <a:p>
+            <a:pPr lvl="1"/>
+            <a:r>
+              <a:rPr lang="en-CA" smtClean="0"/>
+              <a:t>Second level</a:t>
+            </a:r>
+          </a:p>
+          <a:p>
+            <a:pPr lvl="2"/>
+            <a:r>
+              <a:rPr lang="en-CA" smtClean="0"/>
+              <a:t>Third level</a:t>
+            </a:r>
+          </a:p>
+          <a:p>
+            <a:pPr lvl="3"/>
+            <a:r>
+              <a:rPr lang="en-CA" smtClean="0"/>
+              <a:t>Fourth level</a:t>
+            </a:r>
+          </a:p>
+          <a:p>
+            <a:pPr lvl="4"/>
+            <a:r>
+              <a:rPr lang="en-CA" smtClean="0"/>
+              <a:t>Fifth level</a:t>
+            </a:r>
+            <a:endParaRPr lang="en-US"/>
+          </a:p>
+        </p:txBody>
+      </p:sp>
+      <p:sp>
+        <p:nvSpPr>
+          <p:cNvPr id="6" name="Footer Placeholder 5"/>
+          <p:cNvSpPr>
+            <a:spLocks noGrp="1"/>
+          </p:cNvSpPr>
+          <p:nvPr>
+            <p:ph type="ftr" sz="quarter" idx="4"/>
+          </p:nvPr>
+        </p:nvSpPr>
+        <p:spPr>
+          <a:xfrm>
+            <a:off x="0" y="8685213"/>
+            <a:ext cx="2971800" cy="457200"/>
+          </a:xfrm>
+          <a:prstGeom prst="rect">
+            <a:avLst/>
+          </a:prstGeom>
+        </p:spPr>
+        <p:txBody>
+          <a:bodyPr vert="horz" lIns="91440" tIns="45720" rIns="91440" bIns="45720" rtlCol="0" anchor="b"/>
+          <a:lstStyle>
+            <a:lvl1pPr algn="l">
+              <a:defRPr sz="1200"/>
+            </a:lvl1pPr>
+          </a:lstStyle>
+          <a:p>
+            <a:endParaRPr lang="en-US"/>
+          </a:p>
+        </p:txBody>
+      </p:sp>
+      <p:sp>
+        <p:nvSpPr>
+          <p:cNvPr id="7" name="Slide Number Placeholder 6"/>
+          <p:cNvSpPr>
+            <a:spLocks noGrp="1"/>
+          </p:cNvSpPr>
+          <p:nvPr>
+            <p:ph type="sldNum" sz="quarter" idx="5"/>
+          </p:nvPr>
+        </p:nvSpPr>
+        <p:spPr>
+          <a:xfrm>
+            <a:off x="3884613" y="8685213"/>
+            <a:ext cx="2971800" cy="457200"/>
+          </a:xfrm>
+          <a:prstGeom prst="rect">
+            <a:avLst/>
+          </a:prstGeom>
+        </p:spPr>
+        <p:txBody>
+          <a:bodyPr vert="horz" lIns="91440" tIns="45720" rIns="91440" bIns="45720" rtlCol="0" anchor="b"/>
+          <a:lstStyle>
+            <a:lvl1pPr algn="r">
+              <a:defRPr sz="1200"/>
+            </a:lvl1pPr>
+          </a:lstStyle>
+          <a:p>
+            <a:fld id="{A74CFA5F-D3A0-CB4A-9B83-43152E4A3BDD}" type="slidenum">
+              <a:rPr lang="en-US" smtClean="0"/>
+              <a:t>‹#›</a:t>
+            </a:fld>
+            <a:endParaRPr lang="en-US"/>
+          </a:p>
+        </p:txBody>
+      </p:sp>
+    </p:spTree>
+    <p:extLst>
+      <p:ext uri="{BB962C8B-B14F-4D97-AF65-F5344CB8AC3E}">
+        <p14:creationId xmlns:p14="http://schemas.microsoft.com/office/powerpoint/2010/main" val="3603594986"/>
+      </p:ext>
+    </p:extLst>
+  </p:cSld>
+  <p:clrMap bg1="lt1" tx1="dk1" bg2="lt2" tx2="dk2" accent1="accent1" accent2="accent2" accent3="accent3" accent4="accent4" accent5="accent5" accent6="accent6" hlink="hlink" folHlink="folHlink"/>
+  <p:notesStyle>
+    <a:lvl1pPr marL="0" algn="l" defTabSz="457200" rtl="0" eaLnBrk="1" latinLnBrk="0" hangingPunct="1">
+      <a:defRPr sz="1200" kern="1200">
+        <a:solidFill>
+          <a:schemeClr val="tx1"/>
+        </a:solidFill>
+        <a:latin typeface="+mn-lt"/>
+        <a:ea typeface="+mn-ea"/>
+        <a:cs typeface="+mn-cs"/>
+      </a:defRPr>
+    </a:lvl1pPr>
+    <a:lvl2pPr marL="457200" algn="l" defTabSz="457200" rtl="0" eaLnBrk="1" latinLnBrk="0" hangingPunct="1">
+      <a:defRPr sz="1200" kern="1200">
+        <a:solidFill>
+          <a:schemeClr val="tx1"/>
+        </a:solidFill>
+        <a:latin typeface="+mn-lt"/>
+        <a:ea typeface="+mn-ea"/>
+        <a:cs typeface="+mn-cs"/>
+      </a:defRPr>
+    </a:lvl2pPr>
+    <a:lvl3pPr marL="914400" algn="l" defTabSz="457200" rtl="0" eaLnBrk="1" latinLnBrk="0" hangingPunct="1">
+      <a:defRPr sz="1200" kern="1200">
+        <a:solidFill>
+          <a:schemeClr val="tx1"/>
+        </a:solidFill>
+        <a:latin typeface="+mn-lt"/>
+        <a:ea typeface="+mn-ea"/>
+        <a:cs typeface="+mn-cs"/>
+      </a:defRPr>
+    </a:lvl3pPr>
+    <a:lvl4pPr marL="1371600" algn="l" defTabSz="457200" rtl="0" eaLnBrk="1" latinLnBrk="0" hangingPunct="1">
+      <a:defRPr sz="1200" kern="1200">
+        <a:solidFill>
+          <a:schemeClr val="tx1"/>
+        </a:solidFill>
+        <a:latin typeface="+mn-lt"/>
+        <a:ea typeface="+mn-ea"/>
+        <a:cs typeface="+mn-cs"/>
+      </a:defRPr>
+    </a:lvl4pPr>
+    <a:lvl5pPr marL="1828800" algn="l" defTabSz="457200" rtl="0" eaLnBrk="1" latinLnBrk="0" hangingPunct="1">
+      <a:defRPr sz="1200" kern="1200">
+        <a:solidFill>
+          <a:schemeClr val="tx1"/>
+        </a:solidFill>
+        <a:latin typeface="+mn-lt"/>
+        <a:ea typeface="+mn-ea"/>
+        <a:cs typeface="+mn-cs"/>
+      </a:defRPr>
+    </a:lvl5pPr>
+    <a:lvl6pPr marL="2286000" algn="l" defTabSz="457200" rtl="0" eaLnBrk="1" latinLnBrk="0" hangingPunct="1">
+      <a:defRPr sz="1200" kern="1200">
+        <a:solidFill>
+          <a:schemeClr val="tx1"/>
+        </a:solidFill>
+        <a:latin typeface="+mn-lt"/>
+        <a:ea typeface="+mn-ea"/>
+        <a:cs typeface="+mn-cs"/>
+      </a:defRPr>
+    </a:lvl6pPr>
+    <a:lvl7pPr marL="2743200" algn="l" defTabSz="457200" rtl="0" eaLnBrk="1" latinLnBrk="0" hangingPunct="1">
+      <a:defRPr sz="1200" kern="1200">
+        <a:solidFill>
+          <a:schemeClr val="tx1"/>
+        </a:solidFill>
+        <a:latin typeface="+mn-lt"/>
+        <a:ea typeface="+mn-ea"/>
+        <a:cs typeface="+mn-cs"/>
+      </a:defRPr>
+    </a:lvl7pPr>
+    <a:lvl8pPr marL="3200400" algn="l" defTabSz="457200" rtl="0" eaLnBrk="1" latinLnBrk="0" hangingPunct="1">
+      <a:defRPr sz="1200" kern="1200">
+        <a:solidFill>
+          <a:schemeClr val="tx1"/>
+        </a:solidFill>
+        <a:latin typeface="+mn-lt"/>
+        <a:ea typeface="+mn-ea"/>
+        <a:cs typeface="+mn-cs"/>
+      </a:defRPr>
+    </a:lvl8pPr>
+    <a:lvl9pPr marL="3657600" algn="l" defTabSz="457200" rtl="0" eaLnBrk="1" latinLnBrk="0" hangingPunct="1">
+      <a:defRPr sz="1200" kern="1200">
+        <a:solidFill>
+          <a:schemeClr val="tx1"/>
+        </a:solidFill>
+        <a:latin typeface="+mn-lt"/>
+        <a:ea typeface="+mn-ea"/>
+        <a:cs typeface="+mn-cs"/>
+      </a:defRPr>
+    </a:lvl9pPr>
+  </p:notesStyle>
+</p:notesMaster>
+</file>
+
+<file path=ppt/notesSlides/notesSlide1.xml><?xml version="1.0" encoding="utf-8"?>
+<p:notes xmlns:a="http://schemas.openxmlformats.org/drawingml/2006/main" xmlns:r="http://schemas.openxmlformats.org/officeDocument/2006/relationships" xmlns:p="http://schemas.openxmlformats.org/presentationml/2006/main">
+  <p:cSld>
+    <p:spTree>
+      <p:nvGrpSpPr>
+        <p:cNvPr id="1" name=""/>
+        <p:cNvGrpSpPr/>
+        <p:nvPr/>
+      </p:nvGrpSpPr>
+      <p:grpSpPr>
+        <a:xfrm>
+          <a:off x="0" y="0"/>
+          <a:ext cx="0" cy="0"/>
+          <a:chOff x="0" y="0"/>
+          <a:chExt cx="0" cy="0"/>
+        </a:xfrm>
+      </p:grpSpPr>
+      <p:sp>
+        <p:nvSpPr>
+          <p:cNvPr id="2" name="Slide Image Placeholder 1"/>
+          <p:cNvSpPr>
+            <a:spLocks noGrp="1" noRot="1" noChangeAspect="1"/>
+          </p:cNvSpPr>
+          <p:nvPr>
+            <p:ph type="sldImg"/>
+          </p:nvPr>
+        </p:nvSpPr>
+        <p:spPr/>
+      </p:sp>
+      <p:sp>
+        <p:nvSpPr>
+          <p:cNvPr id="3" name="Notes Placeholder 2"/>
+          <p:cNvSpPr>
+            <a:spLocks noGrp="1"/>
+          </p:cNvSpPr>
+          <p:nvPr>
+            <p:ph type="body" idx="1"/>
+          </p:nvPr>
+        </p:nvSpPr>
+        <p:spPr/>
+        <p:txBody>
+          <a:bodyPr/>
+          <a:lstStyle/>
+          <a:p>
+            <a:r>
+              <a:rPr lang="en-US" dirty="0" smtClean="0"/>
+              <a:t>Why?</a:t>
+            </a:r>
+          </a:p>
+          <a:p>
+            <a:pPr marL="171450" indent="-171450">
+              <a:buFontTx/>
+              <a:buChar char="-"/>
+            </a:pPr>
+            <a:r>
+              <a:rPr lang="en-US" baseline="0" dirty="0" smtClean="0"/>
+              <a:t>I’ve traditionally been someone who is very sensitive to the ways others communicate with me.</a:t>
+            </a:r>
+          </a:p>
+          <a:p>
+            <a:pPr marL="171450" indent="-171450">
+              <a:buFontTx/>
+              <a:buChar char="-"/>
+            </a:pPr>
+            <a:r>
+              <a:rPr lang="en-US" baseline="0" dirty="0" smtClean="0"/>
+              <a:t>When someone gets angry </a:t>
+            </a:r>
+            <a:r>
+              <a:rPr lang="mr-IN" baseline="0" dirty="0" smtClean="0"/>
+              <a:t>–</a:t>
+            </a:r>
+            <a:r>
+              <a:rPr lang="en-US" baseline="0" dirty="0" smtClean="0"/>
+              <a:t> I apologize.</a:t>
+            </a:r>
+          </a:p>
+          <a:p>
+            <a:pPr marL="171450" indent="-171450">
+              <a:buFontTx/>
+              <a:buChar char="-"/>
+            </a:pPr>
+            <a:r>
+              <a:rPr lang="en-US" baseline="0" dirty="0" smtClean="0"/>
+              <a:t>If someone put blame on me </a:t>
+            </a:r>
+            <a:r>
+              <a:rPr lang="mr-IN" baseline="0" dirty="0" smtClean="0"/>
+              <a:t>–</a:t>
+            </a:r>
+            <a:r>
+              <a:rPr lang="en-US" baseline="0" dirty="0" smtClean="0"/>
+              <a:t> I would accept responsibility.</a:t>
+            </a:r>
+          </a:p>
+          <a:p>
+            <a:pPr marL="171450" indent="-171450">
+              <a:buFontTx/>
+              <a:buChar char="-"/>
+            </a:pPr>
+            <a:r>
+              <a:rPr lang="en-US" baseline="0" dirty="0" smtClean="0"/>
+              <a:t>I accepted a lot of what others said as truth, at the expense of my own values and needs.</a:t>
+            </a:r>
+          </a:p>
+          <a:p>
+            <a:pPr marL="171450" indent="-171450">
+              <a:buFontTx/>
+              <a:buChar char="-"/>
+            </a:pPr>
+            <a:endParaRPr lang="en-US" baseline="0" dirty="0" smtClean="0"/>
+          </a:p>
+          <a:p>
+            <a:pPr marL="0" indent="0">
+              <a:buFontTx/>
+              <a:buNone/>
+            </a:pPr>
+            <a:r>
+              <a:rPr lang="en-US" baseline="0" dirty="0" smtClean="0"/>
+              <a:t>Non-violent communication is a framework for communication that has been really helpful in dissecting those past negative experiences. Better understanding my boundaries and being better at empathizing with my needs.</a:t>
+            </a:r>
+          </a:p>
+          <a:p>
+            <a:pPr marL="0" indent="0">
+              <a:buFontTx/>
+              <a:buNone/>
+            </a:pPr>
+            <a:endParaRPr lang="en-US" baseline="0" dirty="0" smtClean="0"/>
+          </a:p>
+          <a:p>
+            <a:pPr marL="0" indent="0">
+              <a:buFontTx/>
+              <a:buNone/>
+            </a:pPr>
+            <a:r>
+              <a:rPr lang="en-US" baseline="0" dirty="0" smtClean="0"/>
+              <a:t>NVC is really difficult and it’s something I’m still actively working towards improving at. I wanted to give a high level overview and hopefully enable others to reframe the contexts of their communication.</a:t>
+            </a:r>
+            <a:endParaRPr lang="en-US" dirty="0"/>
+          </a:p>
+        </p:txBody>
+      </p:sp>
+      <p:sp>
+        <p:nvSpPr>
+          <p:cNvPr id="4" name="Slide Number Placeholder 3"/>
+          <p:cNvSpPr>
+            <a:spLocks noGrp="1"/>
+          </p:cNvSpPr>
+          <p:nvPr>
+            <p:ph type="sldNum" sz="quarter" idx="10"/>
+          </p:nvPr>
+        </p:nvSpPr>
+        <p:spPr/>
+        <p:txBody>
+          <a:bodyPr/>
+          <a:lstStyle/>
+          <a:p>
+            <a:fld id="{A74CFA5F-D3A0-CB4A-9B83-43152E4A3BDD}" type="slidenum">
+              <a:rPr lang="en-US" smtClean="0"/>
+              <a:t>1</a:t>
+            </a:fld>
+            <a:endParaRPr lang="en-US"/>
+          </a:p>
+        </p:txBody>
+      </p:sp>
+    </p:spTree>
+    <p:extLst>
+      <p:ext uri="{BB962C8B-B14F-4D97-AF65-F5344CB8AC3E}">
+        <p14:creationId xmlns:p14="http://schemas.microsoft.com/office/powerpoint/2010/main" val="4025350201"/>
+      </p:ext>
+    </p:extLst>
+  </p:cSld>
+  <p:clrMapOvr>
+    <a:masterClrMapping/>
+  </p:clrMapOvr>
+</p:notes>
+</file>
+
+<file path=ppt/notesSlides/notesSlide2.xml><?xml version="1.0" encoding="utf-8"?>
+<p:notes xmlns:a="http://schemas.openxmlformats.org/drawingml/2006/main" xmlns:r="http://schemas.openxmlformats.org/officeDocument/2006/relationships" xmlns:p="http://schemas.openxmlformats.org/presentationml/2006/main">
+  <p:cSld>
+    <p:spTree>
+      <p:nvGrpSpPr>
+        <p:cNvPr id="1" name=""/>
+        <p:cNvGrpSpPr/>
+        <p:nvPr/>
+      </p:nvGrpSpPr>
+      <p:grpSpPr>
+        <a:xfrm>
+          <a:off x="0" y="0"/>
+          <a:ext cx="0" cy="0"/>
+          <a:chOff x="0" y="0"/>
+          <a:chExt cx="0" cy="0"/>
+        </a:xfrm>
+      </p:grpSpPr>
+      <p:sp>
+        <p:nvSpPr>
+          <p:cNvPr id="2" name="Slide Image Placeholder 1"/>
+          <p:cNvSpPr>
+            <a:spLocks noGrp="1" noRot="1" noChangeAspect="1"/>
+          </p:cNvSpPr>
+          <p:nvPr>
+            <p:ph type="sldImg"/>
+          </p:nvPr>
+        </p:nvSpPr>
+        <p:spPr/>
+      </p:sp>
+      <p:sp>
+        <p:nvSpPr>
+          <p:cNvPr id="3" name="Notes Placeholder 2"/>
+          <p:cNvSpPr>
+            <a:spLocks noGrp="1"/>
+          </p:cNvSpPr>
+          <p:nvPr>
+            <p:ph type="body" idx="1"/>
+          </p:nvPr>
+        </p:nvSpPr>
+        <p:spPr/>
+        <p:txBody>
+          <a:bodyPr/>
+          <a:lstStyle/>
+          <a:p>
+            <a:r>
+              <a:rPr lang="en-US" dirty="0" smtClean="0"/>
+              <a:t>2 Parts:</a:t>
+            </a:r>
+          </a:p>
+          <a:p>
+            <a:r>
+              <a:rPr lang="en-US" dirty="0" smtClean="0"/>
+              <a:t>Providing</a:t>
+            </a:r>
+            <a:r>
+              <a:rPr lang="en-US" baseline="0" dirty="0" smtClean="0"/>
+              <a:t> a framework for understanding what is going on in ourselves and others.</a:t>
+            </a:r>
+            <a:br>
+              <a:rPr lang="en-US" baseline="0" dirty="0" smtClean="0"/>
+            </a:br>
+            <a:r>
+              <a:rPr lang="en-US" baseline="0" dirty="0" smtClean="0"/>
+              <a:t>Communicate in a way that inspires others to contribute to our wellbeing.</a:t>
+            </a:r>
+            <a:endParaRPr lang="en-US" dirty="0"/>
+          </a:p>
+        </p:txBody>
+      </p:sp>
+      <p:sp>
+        <p:nvSpPr>
+          <p:cNvPr id="4" name="Slide Number Placeholder 3"/>
+          <p:cNvSpPr>
+            <a:spLocks noGrp="1"/>
+          </p:cNvSpPr>
+          <p:nvPr>
+            <p:ph type="sldNum" sz="quarter" idx="10"/>
+          </p:nvPr>
+        </p:nvSpPr>
+        <p:spPr/>
+        <p:txBody>
+          <a:bodyPr/>
+          <a:lstStyle/>
+          <a:p>
+            <a:fld id="{A74CFA5F-D3A0-CB4A-9B83-43152E4A3BDD}" type="slidenum">
+              <a:rPr lang="en-US" smtClean="0"/>
+              <a:t>2</a:t>
+            </a:fld>
+            <a:endParaRPr lang="en-US"/>
+          </a:p>
+        </p:txBody>
+      </p:sp>
+    </p:spTree>
+    <p:extLst>
+      <p:ext uri="{BB962C8B-B14F-4D97-AF65-F5344CB8AC3E}">
+        <p14:creationId xmlns:p14="http://schemas.microsoft.com/office/powerpoint/2010/main" val="3865326220"/>
+      </p:ext>
+    </p:extLst>
+  </p:cSld>
+  <p:clrMapOvr>
+    <a:masterClrMapping/>
+  </p:clrMapOvr>
+</p:notes>
 </file>
 
 <file path=ppt/slideLayouts/slideLayout1.xml><?xml version="1.0" encoding="utf-8"?>
@@ -3674,12 +4321,8 @@
           <a:lstStyle/>
           <a:p>
             <a:r>
-              <a:rPr lang="en-US" smtClean="0"/>
-              <a:t>Nonviolent </a:t>
-            </a:r>
-            <a:r>
               <a:rPr lang="en-US" dirty="0" smtClean="0"/>
-              <a:t>Communication</a:t>
+              <a:t>Nonviolent Communication</a:t>
             </a:r>
             <a:endParaRPr lang="en-US" dirty="0"/>
           </a:p>
@@ -3702,7 +4345,7 @@
           <a:p>
             <a:r>
               <a:rPr lang="en-US" dirty="0" smtClean="0"/>
-              <a:t>Harold Treen</a:t>
+              <a:t>By: Harold Treen</a:t>
             </a:r>
             <a:endParaRPr lang="en-US" dirty="0"/>
           </a:p>
@@ -3712,6 +4355,1481 @@
     <p:extLst>
       <p:ext uri="{BB962C8B-B14F-4D97-AF65-F5344CB8AC3E}">
         <p14:creationId xmlns:p14="http://schemas.microsoft.com/office/powerpoint/2010/main" val="1654179180"/>
+      </p:ext>
+    </p:extLst>
+  </p:cSld>
+  <p:clrMapOvr>
+    <a:masterClrMapping/>
+  </p:clrMapOvr>
+</p:sld>
+</file>
+
+<file path=ppt/slides/slide10.xml><?xml version="1.0" encoding="utf-8"?>
+<p:sld xmlns:a="http://schemas.openxmlformats.org/drawingml/2006/main" xmlns:r="http://schemas.openxmlformats.org/officeDocument/2006/relationships" xmlns:p="http://schemas.openxmlformats.org/presentationml/2006/main">
+  <p:cSld>
+    <p:spTree>
+      <p:nvGrpSpPr>
+        <p:cNvPr id="1" name=""/>
+        <p:cNvGrpSpPr/>
+        <p:nvPr/>
+      </p:nvGrpSpPr>
+      <p:grpSpPr>
+        <a:xfrm>
+          <a:off x="0" y="0"/>
+          <a:ext cx="0" cy="0"/>
+          <a:chOff x="0" y="0"/>
+          <a:chExt cx="0" cy="0"/>
+        </a:xfrm>
+      </p:grpSpPr>
+      <p:sp>
+        <p:nvSpPr>
+          <p:cNvPr id="2" name="Title 1"/>
+          <p:cNvSpPr>
+            <a:spLocks noGrp="1"/>
+          </p:cNvSpPr>
+          <p:nvPr>
+            <p:ph type="title"/>
+          </p:nvPr>
+        </p:nvSpPr>
+        <p:spPr/>
+        <p:txBody>
+          <a:bodyPr/>
+          <a:lstStyle/>
+          <a:p>
+            <a:r>
+              <a:rPr lang="en-US" dirty="0" smtClean="0"/>
+              <a:t>Other Applications</a:t>
+            </a:r>
+            <a:endParaRPr lang="en-US" dirty="0"/>
+          </a:p>
+        </p:txBody>
+      </p:sp>
+      <p:sp>
+        <p:nvSpPr>
+          <p:cNvPr id="3" name="Content Placeholder 2"/>
+          <p:cNvSpPr>
+            <a:spLocks noGrp="1"/>
+          </p:cNvSpPr>
+          <p:nvPr>
+            <p:ph idx="1"/>
+          </p:nvPr>
+        </p:nvSpPr>
+        <p:spPr/>
+        <p:txBody>
+          <a:bodyPr>
+            <a:normAutofit lnSpcReduction="10000"/>
+          </a:bodyPr>
+          <a:lstStyle/>
+          <a:p>
+            <a:r>
+              <a:rPr lang="en-US" b="1" dirty="0" smtClean="0"/>
+              <a:t>Using NVC when talking to ourselves.</a:t>
+            </a:r>
+          </a:p>
+          <a:p>
+            <a:pPr lvl="1"/>
+            <a:r>
+              <a:rPr lang="en-US" dirty="0" smtClean="0">
+                <a:solidFill>
+                  <a:srgbClr val="008000"/>
+                </a:solidFill>
+              </a:rPr>
+              <a:t>“I feel frustrated that I haven’t made a commit in three days. Producing results would fulfill my need for contribution.”</a:t>
+            </a:r>
+          </a:p>
+          <a:p>
+            <a:pPr lvl="1"/>
+            <a:r>
+              <a:rPr lang="en-US" dirty="0" smtClean="0">
+                <a:solidFill>
+                  <a:srgbClr val="FF0000"/>
+                </a:solidFill>
+              </a:rPr>
+              <a:t>“I’m so lazy. I haven’t commit any changes in three days.”</a:t>
+            </a:r>
+          </a:p>
+          <a:p>
+            <a:r>
+              <a:rPr lang="en-US" b="1" dirty="0" smtClean="0"/>
+              <a:t>Giving appreciation to others.</a:t>
+            </a:r>
+          </a:p>
+          <a:p>
+            <a:pPr lvl="1"/>
+            <a:r>
+              <a:rPr lang="en-US" dirty="0" smtClean="0">
+                <a:solidFill>
+                  <a:srgbClr val="008000"/>
+                </a:solidFill>
+              </a:rPr>
+              <a:t>“When you paired with me on that bug it fulfilled my need for support and community. I feel relieved that we found the issue.”</a:t>
+            </a:r>
+          </a:p>
+          <a:p>
+            <a:pPr lvl="1"/>
+            <a:r>
+              <a:rPr lang="en-US" dirty="0" smtClean="0">
+                <a:solidFill>
+                  <a:srgbClr val="FF0000"/>
+                </a:solidFill>
+              </a:rPr>
+              <a:t>“You were awesome to pair with.”</a:t>
+            </a:r>
+          </a:p>
+        </p:txBody>
+      </p:sp>
+    </p:spTree>
+    <p:extLst>
+      <p:ext uri="{BB962C8B-B14F-4D97-AF65-F5344CB8AC3E}">
+        <p14:creationId xmlns:p14="http://schemas.microsoft.com/office/powerpoint/2010/main" val="3417170654"/>
+      </p:ext>
+    </p:extLst>
+  </p:cSld>
+  <p:clrMapOvr>
+    <a:masterClrMapping/>
+  </p:clrMapOvr>
+</p:sld>
+</file>
+
+<file path=ppt/slides/slide11.xml><?xml version="1.0" encoding="utf-8"?>
+<p:sld xmlns:a="http://schemas.openxmlformats.org/drawingml/2006/main" xmlns:r="http://schemas.openxmlformats.org/officeDocument/2006/relationships" xmlns:p="http://schemas.openxmlformats.org/presentationml/2006/main">
+  <p:cSld>
+    <p:spTree>
+      <p:nvGrpSpPr>
+        <p:cNvPr id="1" name=""/>
+        <p:cNvGrpSpPr/>
+        <p:nvPr/>
+      </p:nvGrpSpPr>
+      <p:grpSpPr>
+        <a:xfrm>
+          <a:off x="0" y="0"/>
+          <a:ext cx="0" cy="0"/>
+          <a:chOff x="0" y="0"/>
+          <a:chExt cx="0" cy="0"/>
+        </a:xfrm>
+      </p:grpSpPr>
+      <p:sp>
+        <p:nvSpPr>
+          <p:cNvPr id="2" name="Title 1"/>
+          <p:cNvSpPr>
+            <a:spLocks noGrp="1"/>
+          </p:cNvSpPr>
+          <p:nvPr>
+            <p:ph type="title"/>
+          </p:nvPr>
+        </p:nvSpPr>
+        <p:spPr>
+          <a:xfrm>
+            <a:off x="549275" y="107577"/>
+            <a:ext cx="8042276" cy="1040810"/>
+          </a:xfrm>
+        </p:spPr>
+        <p:txBody>
+          <a:bodyPr/>
+          <a:lstStyle/>
+          <a:p>
+            <a:r>
+              <a:rPr lang="en-US" dirty="0" smtClean="0"/>
+              <a:t>Disclaimers</a:t>
+            </a:r>
+            <a:endParaRPr lang="en-US" dirty="0"/>
+          </a:p>
+        </p:txBody>
+      </p:sp>
+      <p:sp>
+        <p:nvSpPr>
+          <p:cNvPr id="3" name="Content Placeholder 2"/>
+          <p:cNvSpPr>
+            <a:spLocks noGrp="1"/>
+          </p:cNvSpPr>
+          <p:nvPr>
+            <p:ph idx="1"/>
+          </p:nvPr>
+        </p:nvSpPr>
+        <p:spPr>
+          <a:xfrm>
+            <a:off x="549275" y="1285580"/>
+            <a:ext cx="8042276" cy="4343400"/>
+          </a:xfrm>
+        </p:spPr>
+        <p:txBody>
+          <a:bodyPr/>
+          <a:lstStyle/>
+          <a:p>
+            <a:r>
+              <a:rPr lang="en-US" b="1" dirty="0" smtClean="0"/>
+              <a:t>NVC is not easy:</a:t>
+            </a:r>
+          </a:p>
+          <a:p>
+            <a:pPr lvl="1"/>
+            <a:r>
+              <a:rPr lang="en-US" dirty="0" smtClean="0"/>
+              <a:t>Introspection is hard.</a:t>
+            </a:r>
+          </a:p>
+          <a:p>
+            <a:pPr lvl="1"/>
+            <a:r>
+              <a:rPr lang="en-US" dirty="0" smtClean="0"/>
+              <a:t>Naming our needs and feelings is harder than pointing out flaws in others.</a:t>
+            </a:r>
+          </a:p>
+          <a:p>
+            <a:r>
+              <a:rPr lang="en-US" b="1" dirty="0" smtClean="0"/>
+              <a:t>NVC is not a magic bullet:</a:t>
+            </a:r>
+            <a:endParaRPr lang="en-US" dirty="0"/>
+          </a:p>
+          <a:p>
+            <a:pPr lvl="1"/>
+            <a:r>
+              <a:rPr lang="en-US" dirty="0" smtClean="0"/>
+              <a:t>Communicate in ways that you find effective.</a:t>
+            </a:r>
+          </a:p>
+        </p:txBody>
+      </p:sp>
+      <p:sp>
+        <p:nvSpPr>
+          <p:cNvPr id="4" name="Rectangle 3"/>
+          <p:cNvSpPr/>
+          <p:nvPr/>
+        </p:nvSpPr>
+        <p:spPr>
+          <a:xfrm>
+            <a:off x="4479667" y="3244334"/>
+            <a:ext cx="184666" cy="369332"/>
+          </a:xfrm>
+          <a:prstGeom prst="rect">
+            <a:avLst/>
+          </a:prstGeom>
+        </p:spPr>
+        <p:txBody>
+          <a:bodyPr wrap="none">
+            <a:spAutoFit/>
+          </a:bodyPr>
+          <a:lstStyle/>
+          <a:p>
+            <a:r>
+              <a:rPr lang="en-US" dirty="0"/>
+              <a:t> </a:t>
+            </a:r>
+            <a:endParaRPr lang="en-US" dirty="0"/>
+          </a:p>
+        </p:txBody>
+      </p:sp>
+    </p:spTree>
+    <p:extLst>
+      <p:ext uri="{BB962C8B-B14F-4D97-AF65-F5344CB8AC3E}">
+        <p14:creationId xmlns:p14="http://schemas.microsoft.com/office/powerpoint/2010/main" val="742811866"/>
+      </p:ext>
+    </p:extLst>
+  </p:cSld>
+  <p:clrMapOvr>
+    <a:masterClrMapping/>
+  </p:clrMapOvr>
+</p:sld>
+</file>
+
+<file path=ppt/slides/slide12.xml><?xml version="1.0" encoding="utf-8"?>
+<p:sld xmlns:a="http://schemas.openxmlformats.org/drawingml/2006/main" xmlns:r="http://schemas.openxmlformats.org/officeDocument/2006/relationships" xmlns:p="http://schemas.openxmlformats.org/presentationml/2006/main">
+  <p:cSld>
+    <p:spTree>
+      <p:nvGrpSpPr>
+        <p:cNvPr id="1" name=""/>
+        <p:cNvGrpSpPr/>
+        <p:nvPr/>
+      </p:nvGrpSpPr>
+      <p:grpSpPr>
+        <a:xfrm>
+          <a:off x="0" y="0"/>
+          <a:ext cx="0" cy="0"/>
+          <a:chOff x="0" y="0"/>
+          <a:chExt cx="0" cy="0"/>
+        </a:xfrm>
+      </p:grpSpPr>
+      <p:sp>
+        <p:nvSpPr>
+          <p:cNvPr id="2" name="Title 1"/>
+          <p:cNvSpPr>
+            <a:spLocks noGrp="1"/>
+          </p:cNvSpPr>
+          <p:nvPr>
+            <p:ph type="title"/>
+          </p:nvPr>
+        </p:nvSpPr>
+        <p:spPr>
+          <a:xfrm>
+            <a:off x="549275" y="3939239"/>
+            <a:ext cx="8056563" cy="1362075"/>
+          </a:xfrm>
+        </p:spPr>
+        <p:txBody>
+          <a:bodyPr/>
+          <a:lstStyle/>
+          <a:p>
+            <a:r>
+              <a:rPr lang="en-US" dirty="0" smtClean="0"/>
+              <a:t>When you listened intently to my talk, my need for respect was fulfilled. </a:t>
+            </a:r>
+            <a:br>
+              <a:rPr lang="en-US" dirty="0" smtClean="0"/>
+            </a:br>
+            <a:r>
+              <a:rPr lang="en-US" dirty="0"/>
+              <a:t/>
+            </a:r>
+            <a:br>
+              <a:rPr lang="en-US" dirty="0"/>
+            </a:br>
+            <a:r>
+              <a:rPr lang="en-US" dirty="0" smtClean="0"/>
+              <a:t>I felt thankful for have such a caring audience. &lt;3</a:t>
+            </a:r>
+            <a:endParaRPr lang="en-US" dirty="0"/>
+          </a:p>
+        </p:txBody>
+      </p:sp>
+    </p:spTree>
+    <p:extLst>
+      <p:ext uri="{BB962C8B-B14F-4D97-AF65-F5344CB8AC3E}">
+        <p14:creationId xmlns:p14="http://schemas.microsoft.com/office/powerpoint/2010/main" val="2227890885"/>
+      </p:ext>
+    </p:extLst>
+  </p:cSld>
+  <p:clrMapOvr>
+    <a:masterClrMapping/>
+  </p:clrMapOvr>
+</p:sld>
+</file>
+
+<file path=ppt/slides/slide2.xml><?xml version="1.0" encoding="utf-8"?>
+<p:sld xmlns:a="http://schemas.openxmlformats.org/drawingml/2006/main" xmlns:r="http://schemas.openxmlformats.org/officeDocument/2006/relationships" xmlns:p="http://schemas.openxmlformats.org/presentationml/2006/main">
+  <p:cSld>
+    <p:spTree>
+      <p:nvGrpSpPr>
+        <p:cNvPr id="1" name=""/>
+        <p:cNvGrpSpPr/>
+        <p:nvPr/>
+      </p:nvGrpSpPr>
+      <p:grpSpPr>
+        <a:xfrm>
+          <a:off x="0" y="0"/>
+          <a:ext cx="0" cy="0"/>
+          <a:chOff x="0" y="0"/>
+          <a:chExt cx="0" cy="0"/>
+        </a:xfrm>
+      </p:grpSpPr>
+      <p:sp>
+        <p:nvSpPr>
+          <p:cNvPr id="2" name="Title 1"/>
+          <p:cNvSpPr>
+            <a:spLocks noGrp="1"/>
+          </p:cNvSpPr>
+          <p:nvPr>
+            <p:ph type="title"/>
+          </p:nvPr>
+        </p:nvSpPr>
+        <p:spPr/>
+        <p:txBody>
+          <a:bodyPr/>
+          <a:lstStyle/>
+          <a:p>
+            <a:r>
+              <a:rPr lang="en-US" dirty="0" smtClean="0"/>
+              <a:t>The Purpose of NVC</a:t>
+            </a:r>
+            <a:endParaRPr lang="en-US" dirty="0"/>
+          </a:p>
+        </p:txBody>
+      </p:sp>
+      <p:sp>
+        <p:nvSpPr>
+          <p:cNvPr id="3" name="Content Placeholder 2"/>
+          <p:cNvSpPr>
+            <a:spLocks noGrp="1"/>
+          </p:cNvSpPr>
+          <p:nvPr>
+            <p:ph idx="1"/>
+          </p:nvPr>
+        </p:nvSpPr>
+        <p:spPr/>
+        <p:txBody>
+          <a:bodyPr/>
+          <a:lstStyle/>
+          <a:p>
+            <a:r>
+              <a:rPr lang="en-US" dirty="0" smtClean="0"/>
+              <a:t>The connect with our personal experiences and those of others.</a:t>
+            </a:r>
+          </a:p>
+          <a:p>
+            <a:r>
+              <a:rPr lang="en-US" dirty="0" smtClean="0"/>
+              <a:t>To be inspired and inspire others to help fulfill our needs.</a:t>
+            </a:r>
+            <a:endParaRPr lang="en-US" dirty="0"/>
+          </a:p>
+        </p:txBody>
+      </p:sp>
+    </p:spTree>
+    <p:extLst>
+      <p:ext uri="{BB962C8B-B14F-4D97-AF65-F5344CB8AC3E}">
+        <p14:creationId xmlns:p14="http://schemas.microsoft.com/office/powerpoint/2010/main" val="4179462561"/>
+      </p:ext>
+    </p:extLst>
+  </p:cSld>
+  <p:clrMapOvr>
+    <a:masterClrMapping/>
+  </p:clrMapOvr>
+</p:sld>
+</file>
+
+<file path=ppt/slides/slide3.xml><?xml version="1.0" encoding="utf-8"?>
+<p:sld xmlns:a="http://schemas.openxmlformats.org/drawingml/2006/main" xmlns:r="http://schemas.openxmlformats.org/officeDocument/2006/relationships" xmlns:p="http://schemas.openxmlformats.org/presentationml/2006/main">
+  <p:cSld>
+    <p:spTree>
+      <p:nvGrpSpPr>
+        <p:cNvPr id="1" name=""/>
+        <p:cNvGrpSpPr/>
+        <p:nvPr/>
+      </p:nvGrpSpPr>
+      <p:grpSpPr>
+        <a:xfrm>
+          <a:off x="0" y="0"/>
+          <a:ext cx="0" cy="0"/>
+          <a:chOff x="0" y="0"/>
+          <a:chExt cx="0" cy="0"/>
+        </a:xfrm>
+      </p:grpSpPr>
+      <p:sp>
+        <p:nvSpPr>
+          <p:cNvPr id="2" name="Title 1"/>
+          <p:cNvSpPr>
+            <a:spLocks noGrp="1"/>
+          </p:cNvSpPr>
+          <p:nvPr>
+            <p:ph type="title"/>
+          </p:nvPr>
+        </p:nvSpPr>
+        <p:spPr/>
+        <p:txBody>
+          <a:bodyPr/>
+          <a:lstStyle/>
+          <a:p>
+            <a:r>
+              <a:rPr lang="en-US" sz="4000" dirty="0" smtClean="0"/>
+              <a:t>Life-Alienating Communication</a:t>
+            </a:r>
+            <a:endParaRPr lang="en-US" sz="4000" dirty="0"/>
+          </a:p>
+        </p:txBody>
+      </p:sp>
+      <p:sp>
+        <p:nvSpPr>
+          <p:cNvPr id="3" name="Content Placeholder 2"/>
+          <p:cNvSpPr>
+            <a:spLocks noGrp="1"/>
+          </p:cNvSpPr>
+          <p:nvPr>
+            <p:ph idx="1"/>
+          </p:nvPr>
+        </p:nvSpPr>
+        <p:spPr/>
+        <p:txBody>
+          <a:bodyPr>
+            <a:normAutofit/>
+          </a:bodyPr>
+          <a:lstStyle/>
+          <a:p>
+            <a:r>
+              <a:rPr lang="en-US" dirty="0" smtClean="0">
+                <a:solidFill>
+                  <a:srgbClr val="FF0000"/>
+                </a:solidFill>
+              </a:rPr>
+              <a:t>“This room is a total mess! I can never leave you in charge of anything. Quit making a mess and do something about this room.”</a:t>
+            </a:r>
+          </a:p>
+          <a:p>
+            <a:r>
+              <a:rPr lang="en-US" dirty="0" smtClean="0">
+                <a:solidFill>
+                  <a:schemeClr val="tx1"/>
+                </a:solidFill>
+              </a:rPr>
+              <a:t>Listener’s Response</a:t>
+            </a:r>
+          </a:p>
+          <a:p>
+            <a:pPr lvl="1"/>
+            <a:r>
+              <a:rPr lang="en-US" dirty="0" smtClean="0">
+                <a:solidFill>
+                  <a:srgbClr val="3366FF"/>
+                </a:solidFill>
+              </a:rPr>
+              <a:t>Is this room a mess?</a:t>
+            </a:r>
+          </a:p>
+          <a:p>
+            <a:pPr lvl="1"/>
+            <a:r>
+              <a:rPr lang="en-US" dirty="0" smtClean="0">
+                <a:solidFill>
+                  <a:srgbClr val="3366FF"/>
+                </a:solidFill>
+              </a:rPr>
+              <a:t>Am I irresponsible?</a:t>
+            </a:r>
+          </a:p>
+          <a:p>
+            <a:pPr lvl="1"/>
+            <a:r>
+              <a:rPr lang="en-US" dirty="0" smtClean="0">
+                <a:solidFill>
+                  <a:srgbClr val="3366FF"/>
+                </a:solidFill>
+              </a:rPr>
+              <a:t>What do I need to do for them to be satisfied?</a:t>
+            </a:r>
+          </a:p>
+        </p:txBody>
+      </p:sp>
+    </p:spTree>
+    <p:extLst>
+      <p:ext uri="{BB962C8B-B14F-4D97-AF65-F5344CB8AC3E}">
+        <p14:creationId xmlns:p14="http://schemas.microsoft.com/office/powerpoint/2010/main" val="2633517805"/>
+      </p:ext>
+    </p:extLst>
+  </p:cSld>
+  <p:clrMapOvr>
+    <a:masterClrMapping/>
+  </p:clrMapOvr>
+</p:sld>
+</file>
+
+<file path=ppt/slides/slide4.xml><?xml version="1.0" encoding="utf-8"?>
+<p:sld xmlns:a="http://schemas.openxmlformats.org/drawingml/2006/main" xmlns:r="http://schemas.openxmlformats.org/officeDocument/2006/relationships" xmlns:p="http://schemas.openxmlformats.org/presentationml/2006/main">
+  <p:cSld>
+    <p:spTree>
+      <p:nvGrpSpPr>
+        <p:cNvPr id="1" name=""/>
+        <p:cNvGrpSpPr/>
+        <p:nvPr/>
+      </p:nvGrpSpPr>
+      <p:grpSpPr>
+        <a:xfrm>
+          <a:off x="0" y="0"/>
+          <a:ext cx="0" cy="0"/>
+          <a:chOff x="0" y="0"/>
+          <a:chExt cx="0" cy="0"/>
+        </a:xfrm>
+      </p:grpSpPr>
+      <p:sp>
+        <p:nvSpPr>
+          <p:cNvPr id="2" name="Title 1"/>
+          <p:cNvSpPr>
+            <a:spLocks noGrp="1"/>
+          </p:cNvSpPr>
+          <p:nvPr>
+            <p:ph type="title"/>
+          </p:nvPr>
+        </p:nvSpPr>
+        <p:spPr/>
+        <p:txBody>
+          <a:bodyPr/>
+          <a:lstStyle/>
+          <a:p>
+            <a:r>
+              <a:rPr lang="en-US" dirty="0" smtClean="0"/>
+              <a:t>Structure</a:t>
+            </a:r>
+            <a:endParaRPr lang="en-US" dirty="0"/>
+          </a:p>
+        </p:txBody>
+      </p:sp>
+      <p:sp>
+        <p:nvSpPr>
+          <p:cNvPr id="3" name="Content Placeholder 2"/>
+          <p:cNvSpPr>
+            <a:spLocks noGrp="1"/>
+          </p:cNvSpPr>
+          <p:nvPr>
+            <p:ph idx="1"/>
+          </p:nvPr>
+        </p:nvSpPr>
+        <p:spPr/>
+        <p:txBody>
+          <a:bodyPr/>
+          <a:lstStyle/>
+          <a:p>
+            <a:pPr marL="0" indent="0">
+              <a:buNone/>
+            </a:pPr>
+            <a:r>
+              <a:rPr lang="en-US" dirty="0" smtClean="0"/>
+              <a:t>Observation </a:t>
+            </a:r>
+            <a:r>
+              <a:rPr lang="en-US" dirty="0" smtClean="0">
+                <a:sym typeface="Wingdings"/>
+              </a:rPr>
+              <a:t> Feelings  Needs  Requests</a:t>
+            </a:r>
+          </a:p>
+          <a:p>
+            <a:pPr marL="469900" indent="-457200">
+              <a:buFont typeface="+mj-lt"/>
+              <a:buAutoNum type="arabicPeriod"/>
+            </a:pPr>
+            <a:r>
+              <a:rPr lang="en-US" dirty="0" smtClean="0">
+                <a:sym typeface="Wingdings"/>
+              </a:rPr>
+              <a:t>When &lt;</a:t>
+            </a:r>
+            <a:r>
+              <a:rPr lang="en-US" b="1" dirty="0" smtClean="0">
+                <a:sym typeface="Wingdings"/>
+              </a:rPr>
+              <a:t>observation</a:t>
+            </a:r>
+            <a:r>
+              <a:rPr lang="en-US" dirty="0" smtClean="0">
+                <a:sym typeface="Wingdings"/>
+              </a:rPr>
+              <a:t>&gt;</a:t>
+            </a:r>
+          </a:p>
+          <a:p>
+            <a:pPr marL="469900" indent="-457200">
+              <a:buFont typeface="+mj-lt"/>
+              <a:buAutoNum type="arabicPeriod"/>
+            </a:pPr>
+            <a:r>
+              <a:rPr lang="en-US" dirty="0" smtClean="0">
+                <a:sym typeface="Wingdings"/>
+              </a:rPr>
+              <a:t>I feel &lt;</a:t>
+            </a:r>
+            <a:r>
+              <a:rPr lang="en-US" b="1" dirty="0" smtClean="0">
+                <a:sym typeface="Wingdings"/>
+              </a:rPr>
+              <a:t>feelings</a:t>
+            </a:r>
+            <a:r>
+              <a:rPr lang="en-US" dirty="0" smtClean="0">
+                <a:sym typeface="Wingdings"/>
+              </a:rPr>
+              <a:t>&gt;</a:t>
+            </a:r>
+            <a:endParaRPr lang="en-US" dirty="0">
+              <a:sym typeface="Wingdings"/>
+            </a:endParaRPr>
+          </a:p>
+          <a:p>
+            <a:pPr marL="469900" indent="-457200">
+              <a:buFont typeface="+mj-lt"/>
+              <a:buAutoNum type="arabicPeriod"/>
+            </a:pPr>
+            <a:r>
+              <a:rPr lang="en-US" dirty="0">
+                <a:sym typeface="Wingdings"/>
+              </a:rPr>
+              <a:t>B</a:t>
+            </a:r>
+            <a:r>
+              <a:rPr lang="en-US" dirty="0" smtClean="0">
+                <a:sym typeface="Wingdings"/>
+              </a:rPr>
+              <a:t>ecause I need/value &lt;</a:t>
+            </a:r>
+            <a:r>
+              <a:rPr lang="en-US" b="1" dirty="0" smtClean="0">
+                <a:sym typeface="Wingdings"/>
+              </a:rPr>
+              <a:t>needs</a:t>
+            </a:r>
+            <a:r>
+              <a:rPr lang="en-US" dirty="0" smtClean="0">
+                <a:sym typeface="Wingdings"/>
+              </a:rPr>
+              <a:t>&gt;</a:t>
+            </a:r>
+            <a:endParaRPr lang="en-US" dirty="0">
+              <a:sym typeface="Wingdings"/>
+            </a:endParaRPr>
+          </a:p>
+          <a:p>
+            <a:pPr marL="469900" indent="-457200">
+              <a:buFont typeface="+mj-lt"/>
+              <a:buAutoNum type="arabicPeriod"/>
+            </a:pPr>
+            <a:r>
+              <a:rPr lang="en-US" dirty="0">
+                <a:sym typeface="Wingdings"/>
+              </a:rPr>
+              <a:t>W</a:t>
+            </a:r>
+            <a:r>
+              <a:rPr lang="en-US" dirty="0" smtClean="0">
+                <a:sym typeface="Wingdings"/>
+              </a:rPr>
+              <a:t>ould you be willing to &lt;</a:t>
+            </a:r>
+            <a:r>
+              <a:rPr lang="en-US" b="1" dirty="0" smtClean="0">
+                <a:sym typeface="Wingdings"/>
+              </a:rPr>
+              <a:t>requests</a:t>
+            </a:r>
+            <a:r>
+              <a:rPr lang="en-US" dirty="0" smtClean="0">
+                <a:sym typeface="Wingdings"/>
+              </a:rPr>
+              <a:t>&gt;</a:t>
+            </a:r>
+          </a:p>
+        </p:txBody>
+      </p:sp>
+    </p:spTree>
+    <p:extLst>
+      <p:ext uri="{BB962C8B-B14F-4D97-AF65-F5344CB8AC3E}">
+        <p14:creationId xmlns:p14="http://schemas.microsoft.com/office/powerpoint/2010/main" val="3804136124"/>
+      </p:ext>
+    </p:extLst>
+  </p:cSld>
+  <p:clrMapOvr>
+    <a:masterClrMapping/>
+  </p:clrMapOvr>
+</p:sld>
+</file>
+
+<file path=ppt/slides/slide5.xml><?xml version="1.0" encoding="utf-8"?>
+<p:sld xmlns:a="http://schemas.openxmlformats.org/drawingml/2006/main" xmlns:r="http://schemas.openxmlformats.org/officeDocument/2006/relationships" xmlns:p="http://schemas.openxmlformats.org/presentationml/2006/main">
+  <p:cSld>
+    <p:spTree>
+      <p:nvGrpSpPr>
+        <p:cNvPr id="1" name=""/>
+        <p:cNvGrpSpPr/>
+        <p:nvPr/>
+      </p:nvGrpSpPr>
+      <p:grpSpPr>
+        <a:xfrm>
+          <a:off x="0" y="0"/>
+          <a:ext cx="0" cy="0"/>
+          <a:chOff x="0" y="0"/>
+          <a:chExt cx="0" cy="0"/>
+        </a:xfrm>
+      </p:grpSpPr>
+      <p:sp>
+        <p:nvSpPr>
+          <p:cNvPr id="2" name="Title 1"/>
+          <p:cNvSpPr>
+            <a:spLocks noGrp="1"/>
+          </p:cNvSpPr>
+          <p:nvPr>
+            <p:ph type="title"/>
+          </p:nvPr>
+        </p:nvSpPr>
+        <p:spPr/>
+        <p:txBody>
+          <a:bodyPr/>
+          <a:lstStyle/>
+          <a:p>
+            <a:r>
+              <a:rPr lang="en-US" dirty="0" smtClean="0"/>
+              <a:t>Observation</a:t>
+            </a:r>
+            <a:endParaRPr lang="en-US" dirty="0"/>
+          </a:p>
+        </p:txBody>
+      </p:sp>
+      <p:sp>
+        <p:nvSpPr>
+          <p:cNvPr id="3" name="Content Placeholder 2"/>
+          <p:cNvSpPr>
+            <a:spLocks noGrp="1"/>
+          </p:cNvSpPr>
+          <p:nvPr>
+            <p:ph idx="1"/>
+          </p:nvPr>
+        </p:nvSpPr>
+        <p:spPr/>
+        <p:txBody>
+          <a:bodyPr/>
+          <a:lstStyle/>
+          <a:p>
+            <a:r>
+              <a:rPr lang="en-US" dirty="0" smtClean="0"/>
+              <a:t>What triggered the speaker’s state of mind. </a:t>
+            </a:r>
+            <a:r>
+              <a:rPr lang="en-US" b="1" dirty="0" smtClean="0"/>
+              <a:t>Free of evaluation.</a:t>
+            </a:r>
+          </a:p>
+          <a:p>
+            <a:r>
+              <a:rPr lang="en-US" b="1" dirty="0" smtClean="0"/>
+              <a:t>Example: </a:t>
+            </a:r>
+            <a:r>
+              <a:rPr lang="en-US" dirty="0" smtClean="0"/>
+              <a:t/>
+            </a:r>
+            <a:br>
+              <a:rPr lang="en-US" dirty="0" smtClean="0"/>
+            </a:br>
+            <a:r>
+              <a:rPr lang="en-US" dirty="0" smtClean="0">
+                <a:solidFill>
+                  <a:schemeClr val="accent5">
+                    <a:lumMod val="75000"/>
+                  </a:schemeClr>
+                </a:solidFill>
+              </a:rPr>
+              <a:t>“When I see magazines, socks, and food on the floor, and these pots and dirty dishes in the kitchen</a:t>
+            </a:r>
+            <a:r>
+              <a:rPr lang="mr-IN" dirty="0" smtClean="0">
+                <a:solidFill>
+                  <a:schemeClr val="accent5">
+                    <a:lumMod val="75000"/>
+                  </a:schemeClr>
+                </a:solidFill>
+              </a:rPr>
+              <a:t>…</a:t>
+            </a:r>
+            <a:r>
+              <a:rPr lang="en-CA" dirty="0" smtClean="0">
+                <a:solidFill>
+                  <a:schemeClr val="accent5">
+                    <a:lumMod val="75000"/>
+                  </a:schemeClr>
+                </a:solidFill>
+              </a:rPr>
+              <a:t>”</a:t>
+            </a:r>
+          </a:p>
+          <a:p>
+            <a:r>
+              <a:rPr lang="en-CA" b="1" dirty="0" smtClean="0"/>
+              <a:t>Not:</a:t>
+            </a:r>
+            <a:r>
+              <a:rPr lang="en-US" b="1" dirty="0" smtClean="0"/>
+              <a:t/>
+            </a:r>
+            <a:br>
+              <a:rPr lang="en-US" b="1" dirty="0" smtClean="0"/>
+            </a:br>
+            <a:r>
+              <a:rPr lang="en-US" dirty="0" smtClean="0">
+                <a:solidFill>
+                  <a:srgbClr val="FF0000"/>
+                </a:solidFill>
+              </a:rPr>
+              <a:t>“When I see this huge mess</a:t>
+            </a:r>
+            <a:r>
+              <a:rPr lang="mr-IN" dirty="0" smtClean="0">
+                <a:solidFill>
+                  <a:srgbClr val="FF0000"/>
+                </a:solidFill>
+              </a:rPr>
+              <a:t>…</a:t>
+            </a:r>
+            <a:r>
+              <a:rPr lang="en-US" dirty="0" smtClean="0">
+                <a:solidFill>
+                  <a:srgbClr val="FF0000"/>
+                </a:solidFill>
+              </a:rPr>
+              <a:t>”</a:t>
+            </a:r>
+            <a:endParaRPr lang="en-CA" b="1" dirty="0" smtClean="0">
+              <a:solidFill>
+                <a:srgbClr val="FF0000"/>
+              </a:solidFill>
+            </a:endParaRPr>
+          </a:p>
+        </p:txBody>
+      </p:sp>
+    </p:spTree>
+    <p:extLst>
+      <p:ext uri="{BB962C8B-B14F-4D97-AF65-F5344CB8AC3E}">
+        <p14:creationId xmlns:p14="http://schemas.microsoft.com/office/powerpoint/2010/main" val="1152531236"/>
+      </p:ext>
+    </p:extLst>
+  </p:cSld>
+  <p:clrMapOvr>
+    <a:masterClrMapping/>
+  </p:clrMapOvr>
+</p:sld>
+</file>
+
+<file path=ppt/slides/slide6.xml><?xml version="1.0" encoding="utf-8"?>
+<p:sld xmlns:a="http://schemas.openxmlformats.org/drawingml/2006/main" xmlns:r="http://schemas.openxmlformats.org/officeDocument/2006/relationships" xmlns:p="http://schemas.openxmlformats.org/presentationml/2006/main">
+  <p:cSld>
+    <p:spTree>
+      <p:nvGrpSpPr>
+        <p:cNvPr id="1" name=""/>
+        <p:cNvGrpSpPr/>
+        <p:nvPr/>
+      </p:nvGrpSpPr>
+      <p:grpSpPr>
+        <a:xfrm>
+          <a:off x="0" y="0"/>
+          <a:ext cx="0" cy="0"/>
+          <a:chOff x="0" y="0"/>
+          <a:chExt cx="0" cy="0"/>
+        </a:xfrm>
+      </p:grpSpPr>
+      <p:sp>
+        <p:nvSpPr>
+          <p:cNvPr id="2" name="Title 1"/>
+          <p:cNvSpPr>
+            <a:spLocks noGrp="1"/>
+          </p:cNvSpPr>
+          <p:nvPr>
+            <p:ph type="title"/>
+          </p:nvPr>
+        </p:nvSpPr>
+        <p:spPr/>
+        <p:txBody>
+          <a:bodyPr/>
+          <a:lstStyle/>
+          <a:p>
+            <a:r>
+              <a:rPr lang="en-US" dirty="0" smtClean="0"/>
+              <a:t>Feelings</a:t>
+            </a:r>
+            <a:endParaRPr lang="en-US" dirty="0"/>
+          </a:p>
+        </p:txBody>
+      </p:sp>
+      <p:sp>
+        <p:nvSpPr>
+          <p:cNvPr id="3" name="Content Placeholder 2"/>
+          <p:cNvSpPr>
+            <a:spLocks noGrp="1"/>
+          </p:cNvSpPr>
+          <p:nvPr>
+            <p:ph idx="1"/>
+          </p:nvPr>
+        </p:nvSpPr>
+        <p:spPr/>
+        <p:txBody>
+          <a:bodyPr/>
+          <a:lstStyle/>
+          <a:p>
+            <a:r>
+              <a:rPr lang="en-US" dirty="0" smtClean="0"/>
+              <a:t>What feelings resulted from the observation. </a:t>
+            </a:r>
+            <a:r>
+              <a:rPr lang="en-US" b="1" dirty="0" smtClean="0"/>
+              <a:t>Free of thoughts.</a:t>
+            </a:r>
+          </a:p>
+          <a:p>
+            <a:r>
+              <a:rPr lang="en-US" b="1" dirty="0" smtClean="0"/>
+              <a:t>Example: </a:t>
+            </a:r>
+            <a:br>
+              <a:rPr lang="en-US" b="1" dirty="0" smtClean="0"/>
+            </a:br>
+            <a:r>
+              <a:rPr lang="en-US" dirty="0" smtClean="0">
+                <a:solidFill>
+                  <a:srgbClr val="5F8804"/>
+                </a:solidFill>
+              </a:rPr>
+              <a:t>“I feel exhausted and agitated</a:t>
+            </a:r>
+            <a:r>
+              <a:rPr lang="mr-IN" dirty="0" smtClean="0">
+                <a:solidFill>
+                  <a:srgbClr val="5F8804"/>
+                </a:solidFill>
+              </a:rPr>
+              <a:t>…</a:t>
+            </a:r>
+            <a:r>
+              <a:rPr lang="en-CA" dirty="0" smtClean="0">
+                <a:solidFill>
+                  <a:srgbClr val="5F8804"/>
+                </a:solidFill>
+              </a:rPr>
+              <a:t>”</a:t>
+            </a:r>
+          </a:p>
+          <a:p>
+            <a:r>
+              <a:rPr lang="en-CA" b="1" dirty="0" smtClean="0"/>
+              <a:t>Not: </a:t>
+            </a:r>
+            <a:br>
+              <a:rPr lang="en-CA" b="1" dirty="0" smtClean="0"/>
+            </a:br>
+            <a:r>
+              <a:rPr lang="en-CA" dirty="0" smtClean="0">
+                <a:solidFill>
+                  <a:srgbClr val="FF0000"/>
+                </a:solidFill>
+              </a:rPr>
+              <a:t>“I feel like I shouldn’t leave you in charge of anything</a:t>
+            </a:r>
+            <a:r>
+              <a:rPr lang="mr-IN" dirty="0" smtClean="0">
+                <a:solidFill>
+                  <a:srgbClr val="FF0000"/>
+                </a:solidFill>
+              </a:rPr>
+              <a:t>…</a:t>
+            </a:r>
+            <a:r>
+              <a:rPr lang="en-CA" dirty="0" smtClean="0">
+                <a:solidFill>
+                  <a:srgbClr val="FF0000"/>
+                </a:solidFill>
+              </a:rPr>
+              <a:t>”</a:t>
+            </a:r>
+          </a:p>
+        </p:txBody>
+      </p:sp>
+    </p:spTree>
+    <p:extLst>
+      <p:ext uri="{BB962C8B-B14F-4D97-AF65-F5344CB8AC3E}">
+        <p14:creationId xmlns:p14="http://schemas.microsoft.com/office/powerpoint/2010/main" val="145691084"/>
+      </p:ext>
+    </p:extLst>
+  </p:cSld>
+  <p:clrMapOvr>
+    <a:masterClrMapping/>
+  </p:clrMapOvr>
+</p:sld>
+</file>
+
+<file path=ppt/slides/slide7.xml><?xml version="1.0" encoding="utf-8"?>
+<p:sld xmlns:a="http://schemas.openxmlformats.org/drawingml/2006/main" xmlns:r="http://schemas.openxmlformats.org/officeDocument/2006/relationships" xmlns:p="http://schemas.openxmlformats.org/presentationml/2006/main">
+  <p:cSld>
+    <p:spTree>
+      <p:nvGrpSpPr>
+        <p:cNvPr id="1" name=""/>
+        <p:cNvGrpSpPr/>
+        <p:nvPr/>
+      </p:nvGrpSpPr>
+      <p:grpSpPr>
+        <a:xfrm>
+          <a:off x="0" y="0"/>
+          <a:ext cx="0" cy="0"/>
+          <a:chOff x="0" y="0"/>
+          <a:chExt cx="0" cy="0"/>
+        </a:xfrm>
+      </p:grpSpPr>
+      <p:sp>
+        <p:nvSpPr>
+          <p:cNvPr id="2" name="Title 1"/>
+          <p:cNvSpPr>
+            <a:spLocks noGrp="1"/>
+          </p:cNvSpPr>
+          <p:nvPr>
+            <p:ph type="title"/>
+          </p:nvPr>
+        </p:nvSpPr>
+        <p:spPr/>
+        <p:txBody>
+          <a:bodyPr/>
+          <a:lstStyle/>
+          <a:p>
+            <a:r>
+              <a:rPr lang="en-US" dirty="0" smtClean="0"/>
+              <a:t>Needs</a:t>
+            </a:r>
+            <a:endParaRPr lang="en-US" dirty="0"/>
+          </a:p>
+        </p:txBody>
+      </p:sp>
+      <p:sp>
+        <p:nvSpPr>
+          <p:cNvPr id="3" name="Content Placeholder 2"/>
+          <p:cNvSpPr>
+            <a:spLocks noGrp="1"/>
+          </p:cNvSpPr>
+          <p:nvPr>
+            <p:ph idx="1"/>
+          </p:nvPr>
+        </p:nvSpPr>
+        <p:spPr/>
+        <p:txBody>
+          <a:bodyPr/>
+          <a:lstStyle/>
+          <a:p>
+            <a:r>
+              <a:rPr lang="en-US" dirty="0" smtClean="0"/>
+              <a:t>The unfulfilled need that is generating the feelings. </a:t>
+            </a:r>
+            <a:r>
+              <a:rPr lang="en-US" b="1" dirty="0" smtClean="0"/>
+              <a:t>Something universal or a desire stated in positive terms.</a:t>
+            </a:r>
+          </a:p>
+          <a:p>
+            <a:r>
+              <a:rPr lang="en-US" b="1" dirty="0" smtClean="0"/>
+              <a:t>Example:</a:t>
+            </a:r>
+            <a:br>
+              <a:rPr lang="en-US" b="1" dirty="0" smtClean="0"/>
+            </a:br>
+            <a:r>
+              <a:rPr lang="en-US" dirty="0" smtClean="0">
+                <a:solidFill>
+                  <a:srgbClr val="5F8804"/>
+                </a:solidFill>
+              </a:rPr>
+              <a:t>“I need more order and cleanliness.”</a:t>
+            </a:r>
+          </a:p>
+          <a:p>
+            <a:r>
+              <a:rPr lang="en-US" b="1" dirty="0" smtClean="0"/>
+              <a:t>Not: </a:t>
+            </a:r>
+            <a:br>
+              <a:rPr lang="en-US" b="1" dirty="0" smtClean="0"/>
+            </a:br>
+            <a:r>
+              <a:rPr lang="en-US" dirty="0" smtClean="0">
+                <a:solidFill>
+                  <a:srgbClr val="FF0000"/>
+                </a:solidFill>
+              </a:rPr>
+              <a:t>“I need not to live in a pigsty.”</a:t>
+            </a:r>
+            <a:endParaRPr lang="en-US" b="1" dirty="0">
+              <a:solidFill>
+                <a:srgbClr val="FF0000"/>
+              </a:solidFill>
+            </a:endParaRPr>
+          </a:p>
+        </p:txBody>
+      </p:sp>
+    </p:spTree>
+    <p:extLst>
+      <p:ext uri="{BB962C8B-B14F-4D97-AF65-F5344CB8AC3E}">
+        <p14:creationId xmlns:p14="http://schemas.microsoft.com/office/powerpoint/2010/main" val="3494439849"/>
+      </p:ext>
+    </p:extLst>
+  </p:cSld>
+  <p:clrMapOvr>
+    <a:masterClrMapping/>
+  </p:clrMapOvr>
+</p:sld>
+</file>
+
+<file path=ppt/slides/slide8.xml><?xml version="1.0" encoding="utf-8"?>
+<p:sld xmlns:a="http://schemas.openxmlformats.org/drawingml/2006/main" xmlns:r="http://schemas.openxmlformats.org/officeDocument/2006/relationships" xmlns:p="http://schemas.openxmlformats.org/presentationml/2006/main">
+  <p:cSld>
+    <p:spTree>
+      <p:nvGrpSpPr>
+        <p:cNvPr id="1" name=""/>
+        <p:cNvGrpSpPr/>
+        <p:nvPr/>
+      </p:nvGrpSpPr>
+      <p:grpSpPr>
+        <a:xfrm>
+          <a:off x="0" y="0"/>
+          <a:ext cx="0" cy="0"/>
+          <a:chOff x="0" y="0"/>
+          <a:chExt cx="0" cy="0"/>
+        </a:xfrm>
+      </p:grpSpPr>
+      <p:sp>
+        <p:nvSpPr>
+          <p:cNvPr id="2" name="Title 1"/>
+          <p:cNvSpPr>
+            <a:spLocks noGrp="1"/>
+          </p:cNvSpPr>
+          <p:nvPr>
+            <p:ph type="title"/>
+          </p:nvPr>
+        </p:nvSpPr>
+        <p:spPr/>
+        <p:txBody>
+          <a:bodyPr/>
+          <a:lstStyle/>
+          <a:p>
+            <a:r>
+              <a:rPr lang="en-US" dirty="0" smtClean="0"/>
+              <a:t>Requests</a:t>
+            </a:r>
+            <a:endParaRPr lang="en-US" dirty="0"/>
+          </a:p>
+        </p:txBody>
+      </p:sp>
+      <p:sp>
+        <p:nvSpPr>
+          <p:cNvPr id="3" name="Content Placeholder 2"/>
+          <p:cNvSpPr>
+            <a:spLocks noGrp="1"/>
+          </p:cNvSpPr>
+          <p:nvPr>
+            <p:ph idx="1"/>
+          </p:nvPr>
+        </p:nvSpPr>
+        <p:spPr/>
+        <p:txBody>
+          <a:bodyPr/>
+          <a:lstStyle/>
+          <a:p>
+            <a:r>
+              <a:rPr lang="en-US" dirty="0" smtClean="0"/>
+              <a:t>A request the listener can respond to immediately. </a:t>
+            </a:r>
+            <a:r>
+              <a:rPr lang="en-US" b="1" dirty="0" smtClean="0"/>
+              <a:t>Concrete and do-able.</a:t>
+            </a:r>
+          </a:p>
+          <a:p>
+            <a:r>
+              <a:rPr lang="en-US" b="1" dirty="0" smtClean="0"/>
+              <a:t>Example: </a:t>
+            </a:r>
+            <a:br>
+              <a:rPr lang="en-US" b="1" dirty="0" smtClean="0"/>
+            </a:br>
+            <a:r>
+              <a:rPr lang="en-US" dirty="0" smtClean="0">
+                <a:solidFill>
+                  <a:srgbClr val="5F8804"/>
+                </a:solidFill>
+              </a:rPr>
+              <a:t>“Would you be willing to pick up the things on the floor and wash the dishes?”</a:t>
+            </a:r>
+          </a:p>
+          <a:p>
+            <a:r>
+              <a:rPr lang="en-US" b="1" dirty="0" smtClean="0"/>
+              <a:t>Not: </a:t>
+            </a:r>
+            <a:br>
+              <a:rPr lang="en-US" b="1" dirty="0" smtClean="0"/>
+            </a:br>
+            <a:r>
+              <a:rPr lang="en-US" dirty="0" smtClean="0">
+                <a:solidFill>
+                  <a:srgbClr val="FF0000"/>
+                </a:solidFill>
+              </a:rPr>
+              <a:t>“Would you quit making a mess and do something about this room?”</a:t>
+            </a:r>
+            <a:endParaRPr lang="en-US" b="1" dirty="0">
+              <a:solidFill>
+                <a:srgbClr val="FF0000"/>
+              </a:solidFill>
+            </a:endParaRPr>
+          </a:p>
+        </p:txBody>
+      </p:sp>
+    </p:spTree>
+    <p:extLst>
+      <p:ext uri="{BB962C8B-B14F-4D97-AF65-F5344CB8AC3E}">
+        <p14:creationId xmlns:p14="http://schemas.microsoft.com/office/powerpoint/2010/main" val="1833036586"/>
+      </p:ext>
+    </p:extLst>
+  </p:cSld>
+  <p:clrMapOvr>
+    <a:masterClrMapping/>
+  </p:clrMapOvr>
+</p:sld>
+</file>
+
+<file path=ppt/slides/slide9.xml><?xml version="1.0" encoding="utf-8"?>
+<p:sld xmlns:a="http://schemas.openxmlformats.org/drawingml/2006/main" xmlns:r="http://schemas.openxmlformats.org/officeDocument/2006/relationships" xmlns:p="http://schemas.openxmlformats.org/presentationml/2006/main">
+  <p:cSld>
+    <p:spTree>
+      <p:nvGrpSpPr>
+        <p:cNvPr id="1" name=""/>
+        <p:cNvGrpSpPr/>
+        <p:nvPr/>
+      </p:nvGrpSpPr>
+      <p:grpSpPr>
+        <a:xfrm>
+          <a:off x="0" y="0"/>
+          <a:ext cx="0" cy="0"/>
+          <a:chOff x="0" y="0"/>
+          <a:chExt cx="0" cy="0"/>
+        </a:xfrm>
+      </p:grpSpPr>
+      <p:sp>
+        <p:nvSpPr>
+          <p:cNvPr id="2" name="Title 1"/>
+          <p:cNvSpPr>
+            <a:spLocks noGrp="1"/>
+          </p:cNvSpPr>
+          <p:nvPr>
+            <p:ph type="title"/>
+          </p:nvPr>
+        </p:nvSpPr>
+        <p:spPr/>
+        <p:txBody>
+          <a:bodyPr/>
+          <a:lstStyle/>
+          <a:p>
+            <a:r>
+              <a:rPr lang="en-US" dirty="0" smtClean="0"/>
+              <a:t>Nonviolent Communication</a:t>
+            </a:r>
+            <a:endParaRPr lang="en-US" dirty="0"/>
+          </a:p>
+        </p:txBody>
+      </p:sp>
+      <p:sp>
+        <p:nvSpPr>
+          <p:cNvPr id="3" name="Content Placeholder 2"/>
+          <p:cNvSpPr>
+            <a:spLocks noGrp="1"/>
+          </p:cNvSpPr>
+          <p:nvPr>
+            <p:ph idx="1"/>
+          </p:nvPr>
+        </p:nvSpPr>
+        <p:spPr/>
+        <p:txBody>
+          <a:bodyPr/>
+          <a:lstStyle/>
+          <a:p>
+            <a:r>
+              <a:rPr lang="en-US" dirty="0" smtClean="0">
+                <a:solidFill>
+                  <a:srgbClr val="5F8804"/>
+                </a:solidFill>
+              </a:rPr>
+              <a:t>“When </a:t>
+            </a:r>
+            <a:r>
+              <a:rPr lang="en-US" dirty="0">
+                <a:solidFill>
+                  <a:srgbClr val="5F8804"/>
+                </a:solidFill>
+              </a:rPr>
+              <a:t>I see magazines, socks, and food on the floor, and these pots and dirty dishes in the </a:t>
+            </a:r>
+            <a:r>
+              <a:rPr lang="en-US" dirty="0" smtClean="0">
+                <a:solidFill>
+                  <a:srgbClr val="5F8804"/>
+                </a:solidFill>
+              </a:rPr>
+              <a:t>kitchen</a:t>
+            </a:r>
+            <a:r>
+              <a:rPr lang="mr-IN" dirty="0" smtClean="0">
+                <a:solidFill>
+                  <a:srgbClr val="5F8804"/>
+                </a:solidFill>
+              </a:rPr>
+              <a:t>…</a:t>
+            </a:r>
+            <a:endParaRPr lang="en-US" dirty="0" smtClean="0">
+              <a:solidFill>
+                <a:srgbClr val="5F8804"/>
+              </a:solidFill>
+            </a:endParaRPr>
+          </a:p>
+          <a:p>
+            <a:r>
+              <a:rPr lang="en-US" dirty="0">
+                <a:solidFill>
+                  <a:srgbClr val="5F8804"/>
+                </a:solidFill>
+              </a:rPr>
+              <a:t>I feel exhausted and </a:t>
+            </a:r>
+            <a:r>
+              <a:rPr lang="en-US" dirty="0" smtClean="0">
+                <a:solidFill>
+                  <a:srgbClr val="5F8804"/>
+                </a:solidFill>
+              </a:rPr>
+              <a:t>agitated.</a:t>
+            </a:r>
+            <a:endParaRPr lang="en-CA" dirty="0" smtClean="0">
+              <a:solidFill>
+                <a:srgbClr val="5F8804"/>
+              </a:solidFill>
+            </a:endParaRPr>
+          </a:p>
+          <a:p>
+            <a:r>
+              <a:rPr lang="en-US" dirty="0">
+                <a:solidFill>
+                  <a:srgbClr val="5F8804"/>
+                </a:solidFill>
+              </a:rPr>
+              <a:t>I need more order and cleanliness</a:t>
+            </a:r>
+            <a:r>
+              <a:rPr lang="en-US" dirty="0" smtClean="0">
+                <a:solidFill>
+                  <a:srgbClr val="5F8804"/>
+                </a:solidFill>
+              </a:rPr>
+              <a:t>.</a:t>
+            </a:r>
+          </a:p>
+          <a:p>
+            <a:r>
+              <a:rPr lang="en-US" dirty="0">
+                <a:solidFill>
+                  <a:srgbClr val="5F8804"/>
+                </a:solidFill>
+              </a:rPr>
+              <a:t>Would you be willing to pick up the things on the floor and wash the dishes</a:t>
+            </a:r>
+            <a:r>
+              <a:rPr lang="en-US" dirty="0" smtClean="0">
+                <a:solidFill>
+                  <a:srgbClr val="5F8804"/>
+                </a:solidFill>
+              </a:rPr>
+              <a:t>?”</a:t>
+            </a:r>
+          </a:p>
+          <a:p>
+            <a:r>
+              <a:rPr lang="en-CA" dirty="0" smtClean="0">
+                <a:solidFill>
+                  <a:srgbClr val="3366FF"/>
+                </a:solidFill>
+              </a:rPr>
+              <a:t>Okay! :D</a:t>
+            </a:r>
+            <a:endParaRPr lang="en-US" dirty="0" smtClean="0">
+              <a:solidFill>
+                <a:srgbClr val="3366FF"/>
+              </a:solidFill>
+            </a:endParaRPr>
+          </a:p>
+          <a:p>
+            <a:endParaRPr lang="en-US" dirty="0"/>
+          </a:p>
+        </p:txBody>
+      </p:sp>
+    </p:spTree>
+    <p:extLst>
+      <p:ext uri="{BB962C8B-B14F-4D97-AF65-F5344CB8AC3E}">
+        <p14:creationId xmlns:p14="http://schemas.microsoft.com/office/powerpoint/2010/main" val="3799950020"/>
       </p:ext>
     </p:extLst>
   </p:cSld>
@@ -3985,4 +6103,324 @@
   </a:objectDefaults>
   <a:extraClrSchemeLst/>
 </a:theme>
+</file>
+
+<file path=ppt/theme/theme2.xml><?xml version="1.0" encoding="utf-8"?>
+<a:theme xmlns:a="http://schemas.openxmlformats.org/drawingml/2006/main" name="Office Theme">
+  <a:themeElements>
+    <a:clrScheme name="Office">
+      <a:dk1>
+        <a:sysClr val="windowText" lastClr="000000"/>
+      </a:dk1>
+      <a:lt1>
+        <a:sysClr val="window" lastClr="FFFFFF"/>
+      </a:lt1>
+      <a:dk2>
+        <a:srgbClr val="1F497D"/>
+      </a:dk2>
+      <a:lt2>
+        <a:srgbClr val="EEECE1"/>
+      </a:lt2>
+      <a:accent1>
+        <a:srgbClr val="4F81BD"/>
+      </a:accent1>
+      <a:accent2>
+        <a:srgbClr val="C0504D"/>
+      </a:accent2>
+      <a:accent3>
+        <a:srgbClr val="9BBB59"/>
+      </a:accent3>
+      <a:accent4>
+        <a:srgbClr val="8064A2"/>
+      </a:accent4>
+      <a:accent5>
+        <a:srgbClr val="4BACC6"/>
+      </a:accent5>
+      <a:accent6>
+        <a:srgbClr val="F79646"/>
+      </a:accent6>
+      <a:hlink>
+        <a:srgbClr val="0000FF"/>
+      </a:hlink>
+      <a:folHlink>
+        <a:srgbClr val="800080"/>
+      </a:folHlink>
+    </a:clrScheme>
+    <a:fontScheme name="Office">
+      <a:majorFont>
+        <a:latin typeface="Calibri"/>
+        <a:ea typeface=""/>
+        <a:cs typeface=""/>
+        <a:font script="Jpan" typeface="ＭＳ Ｐゴシック"/>
+        <a:font script="Hang" typeface="맑은 고딕"/>
+        <a:font script="Hans" typeface="宋体"/>
+        <a:font script="Hant" typeface="新細明體"/>
+        <a:font script="Arab" typeface="Times New Roman"/>
+        <a:font script="Hebr" typeface="Times New Roman"/>
+        <a:font script="Thai" typeface="Angsana New"/>
+        <a:font script="Ethi" typeface="Nyala"/>
+        <a:font script="Beng" typeface="Vrinda"/>
+        <a:font script="Gujr" typeface="Shruti"/>
+        <a:font script="Khmr" typeface="MoolBoran"/>
+        <a:font script="Knda" typeface="Tunga"/>
+        <a:font script="Guru" typeface="Raavi"/>
+        <a:font script="Cans" typeface="Euphemia"/>
+        <a:font script="Cher" typeface="Plantagenet Cherokee"/>
+        <a:font script="Yiii" typeface="Microsoft Yi Baiti"/>
+        <a:font script="Tibt" typeface="Microsoft Himalaya"/>
+        <a:font script="Thaa" typeface="MV Boli"/>
+        <a:font script="Deva" typeface="Mangal"/>
+        <a:font script="Telu" typeface="Gautami"/>
+        <a:font script="Taml" typeface="Latha"/>
+        <a:font script="Syrc" typeface="Estrangelo Edessa"/>
+        <a:font script="Orya" typeface="Kalinga"/>
+        <a:font script="Mlym" typeface="Kartika"/>
+        <a:font script="Laoo" typeface="DokChampa"/>
+        <a:font script="Sinh" typeface="Iskoola Pota"/>
+        <a:font script="Mong" typeface="Mongolian Baiti"/>
+        <a:font script="Viet" typeface="Times New Roman"/>
+        <a:font script="Uigh" typeface="Microsoft Uighur"/>
+        <a:font script="Geor" typeface="Sylfaen"/>
+      </a:majorFont>
+      <a:minorFont>
+        <a:latin typeface="Calibri"/>
+        <a:ea typeface=""/>
+        <a:cs typeface=""/>
+        <a:font script="Jpan" typeface="ＭＳ Ｐゴシック"/>
+        <a:font script="Hang" typeface="맑은 고딕"/>
+        <a:font script="Hans" typeface="宋体"/>
+        <a:font script="Hant" typeface="新細明體"/>
+        <a:font script="Arab" typeface="Arial"/>
+        <a:font script="Hebr" typeface="Arial"/>
+        <a:font script="Thai" typeface="Cordia New"/>
+        <a:font script="Ethi" typeface="Nyala"/>
+        <a:font script="Beng" typeface="Vrinda"/>
+        <a:font script="Gujr" typeface="Shruti"/>
+        <a:font script="Khmr" typeface="DaunPenh"/>
+        <a:font script="Knda" typeface="Tunga"/>
+        <a:font script="Guru" typeface="Raavi"/>
+        <a:font script="Cans" typeface="Euphemia"/>
+        <a:font script="Cher" typeface="Plantagenet Cherokee"/>
+        <a:font script="Yiii" typeface="Microsoft Yi Baiti"/>
+        <a:font script="Tibt" typeface="Microsoft Himalaya"/>
+        <a:font script="Thaa" typeface="MV Boli"/>
+        <a:font script="Deva" typeface="Mangal"/>
+        <a:font script="Telu" typeface="Gautami"/>
+        <a:font script="Taml" typeface="Latha"/>
+        <a:font script="Syrc" typeface="Estrangelo Edessa"/>
+        <a:font script="Orya" typeface="Kalinga"/>
+        <a:font script="Mlym" typeface="Kartika"/>
+        <a:font script="Laoo" typeface="DokChampa"/>
+        <a:font script="Sinh" typeface="Iskoola Pota"/>
+        <a:font script="Mong" typeface="Mongolian Baiti"/>
+        <a:font script="Viet" typeface="Arial"/>
+        <a:font script="Uigh" typeface="Microsoft Uighur"/>
+        <a:font script="Geor" typeface="Sylfaen"/>
+      </a:minorFont>
+    </a:fontScheme>
+    <a:fmtScheme name="Office">
+      <a:fillStyleLst>
+        <a:solidFill>
+          <a:schemeClr val="phClr"/>
+        </a:solidFill>
+        <a:gradFill rotWithShape="1">
+          <a:gsLst>
+            <a:gs pos="0">
+              <a:schemeClr val="phClr">
+                <a:tint val="50000"/>
+                <a:satMod val="300000"/>
+              </a:schemeClr>
+            </a:gs>
+            <a:gs pos="35000">
+              <a:schemeClr val="phClr">
+                <a:tint val="37000"/>
+                <a:satMod val="300000"/>
+              </a:schemeClr>
+            </a:gs>
+            <a:gs pos="100000">
+              <a:schemeClr val="phClr">
+                <a:tint val="15000"/>
+                <a:satMod val="350000"/>
+              </a:schemeClr>
+            </a:gs>
+          </a:gsLst>
+          <a:lin ang="16200000" scaled="1"/>
+        </a:gradFill>
+        <a:gradFill rotWithShape="1">
+          <a:gsLst>
+            <a:gs pos="0">
+              <a:schemeClr val="phClr">
+                <a:tint val="100000"/>
+                <a:shade val="100000"/>
+                <a:satMod val="130000"/>
+              </a:schemeClr>
+            </a:gs>
+            <a:gs pos="100000">
+              <a:schemeClr val="phClr">
+                <a:tint val="50000"/>
+                <a:shade val="100000"/>
+                <a:satMod val="350000"/>
+              </a:schemeClr>
+            </a:gs>
+          </a:gsLst>
+          <a:lin ang="16200000" scaled="0"/>
+        </a:gradFill>
+      </a:fillStyleLst>
+      <a:lnStyleLst>
+        <a:ln w="9525" cap="flat" cmpd="sng" algn="ctr">
+          <a:solidFill>
+            <a:schemeClr val="phClr">
+              <a:shade val="95000"/>
+              <a:satMod val="105000"/>
+            </a:schemeClr>
+          </a:solidFill>
+          <a:prstDash val="solid"/>
+        </a:ln>
+        <a:ln w="25400" cap="flat" cmpd="sng" algn="ctr">
+          <a:solidFill>
+            <a:schemeClr val="phClr"/>
+          </a:solidFill>
+          <a:prstDash val="solid"/>
+        </a:ln>
+        <a:ln w="38100" cap="flat" cmpd="sng" algn="ctr">
+          <a:solidFill>
+            <a:schemeClr val="phClr"/>
+          </a:solidFill>
+          <a:prstDash val="solid"/>
+        </a:ln>
+      </a:lnStyleLst>
+      <a:effectStyleLst>
+        <a:effectStyle>
+          <a:effectLst>
+            <a:outerShdw blurRad="40000" dist="20000" dir="5400000" rotWithShape="0">
+              <a:srgbClr val="000000">
+                <a:alpha val="38000"/>
+              </a:srgbClr>
+            </a:outerShdw>
+          </a:effectLst>
+        </a:effectStyle>
+        <a:effectStyle>
+          <a:effectLst>
+            <a:outerShdw blurRad="40000" dist="23000" dir="5400000" rotWithShape="0">
+              <a:srgbClr val="000000">
+                <a:alpha val="35000"/>
+              </a:srgbClr>
+            </a:outerShdw>
+          </a:effectLst>
+        </a:effectStyle>
+        <a:effectStyle>
+          <a:effectLst>
+            <a:outerShdw blurRad="40000" dist="23000" dir="5400000" rotWithShape="0">
+              <a:srgbClr val="000000">
+                <a:alpha val="35000"/>
+              </a:srgbClr>
+            </a:outerShdw>
+          </a:effectLst>
+          <a:scene3d>
+            <a:camera prst="orthographicFront">
+              <a:rot lat="0" lon="0" rev="0"/>
+            </a:camera>
+            <a:lightRig rig="threePt" dir="t">
+              <a:rot lat="0" lon="0" rev="1200000"/>
+            </a:lightRig>
+          </a:scene3d>
+          <a:sp3d>
+            <a:bevelT w="63500" h="25400"/>
+          </a:sp3d>
+        </a:effectStyle>
+      </a:effectStyleLst>
+      <a:bgFillStyleLst>
+        <a:solidFill>
+          <a:schemeClr val="phClr"/>
+        </a:solidFill>
+        <a:gradFill rotWithShape="1">
+          <a:gsLst>
+            <a:gs pos="0">
+              <a:schemeClr val="phClr">
+                <a:tint val="40000"/>
+                <a:satMod val="350000"/>
+              </a:schemeClr>
+            </a:gs>
+            <a:gs pos="40000">
+              <a:schemeClr val="phClr">
+                <a:tint val="45000"/>
+                <a:shade val="99000"/>
+                <a:satMod val="350000"/>
+              </a:schemeClr>
+            </a:gs>
+            <a:gs pos="100000">
+              <a:schemeClr val="phClr">
+                <a:shade val="20000"/>
+                <a:satMod val="255000"/>
+              </a:schemeClr>
+            </a:gs>
+          </a:gsLst>
+          <a:path path="circle">
+            <a:fillToRect l="50000" t="-80000" r="50000" b="180000"/>
+          </a:path>
+        </a:gradFill>
+        <a:gradFill rotWithShape="1">
+          <a:gsLst>
+            <a:gs pos="0">
+              <a:schemeClr val="phClr">
+                <a:tint val="80000"/>
+                <a:satMod val="300000"/>
+              </a:schemeClr>
+            </a:gs>
+            <a:gs pos="100000">
+              <a:schemeClr val="phClr">
+                <a:shade val="30000"/>
+                <a:satMod val="200000"/>
+              </a:schemeClr>
+            </a:gs>
+          </a:gsLst>
+          <a:path path="circle">
+            <a:fillToRect l="50000" t="50000" r="50000" b="50000"/>
+          </a:path>
+        </a:gradFill>
+      </a:bgFillStyleLst>
+    </a:fmtScheme>
+  </a:themeElements>
+  <a:objectDefaults>
+    <a:spDef>
+      <a:spPr/>
+      <a:bodyPr/>
+      <a:lstStyle/>
+      <a:style>
+        <a:lnRef idx="1">
+          <a:schemeClr val="accent1"/>
+        </a:lnRef>
+        <a:fillRef idx="3">
+          <a:schemeClr val="accent1"/>
+        </a:fillRef>
+        <a:effectRef idx="2">
+          <a:schemeClr val="accent1"/>
+        </a:effectRef>
+        <a:fontRef idx="minor">
+          <a:schemeClr val="lt1"/>
+        </a:fontRef>
+      </a:style>
+    </a:spDef>
+    <a:lnDef>
+      <a:spPr/>
+      <a:bodyPr/>
+      <a:lstStyle/>
+      <a:style>
+        <a:lnRef idx="2">
+          <a:schemeClr val="accent1"/>
+        </a:lnRef>
+        <a:fillRef idx="0">
+          <a:schemeClr val="accent1"/>
+        </a:fillRef>
+        <a:effectRef idx="1">
+          <a:schemeClr val="accent1"/>
+        </a:effectRef>
+        <a:fontRef idx="minor">
+          <a:schemeClr val="tx1"/>
+        </a:fontRef>
+      </a:style>
+    </a:lnDef>
+  </a:objectDefaults>
+  <a:extraClrSchemeLst/>
+</a:theme>
 </file>
--- a/presentations/nvc.pptx
+++ b/presentations/nvc.pptx
@@ -4565,14 +4565,7 @@
             <a:pPr lvl="1"/>
             <a:r>
               <a:rPr lang="en-US" dirty="0" smtClean="0"/>
-              <a:t>Introspection is hard.</a:t>
-            </a:r>
-          </a:p>
-          <a:p>
-            <a:pPr lvl="1"/>
-            <a:r>
-              <a:rPr lang="en-US" dirty="0" smtClean="0"/>
-              <a:t>Naming our needs and feelings is harder than pointing out flaws in others.</a:t>
+              <a:t>Naming feelings and needs is difficult.</a:t>
             </a:r>
           </a:p>
           <a:p>
@@ -5193,7 +5186,7 @@
                   </a:schemeClr>
                 </a:solidFill>
               </a:rPr>
-              <a:t>“When I see magazines, socks, and food on the floor, and these pots and dirty dishes in the kitchen</a:t>
+              <a:t>“When I see magazines, clothes, and food on the floor, and dirty dishes in the kitchen</a:t>
             </a:r>
             <a:r>
               <a:rPr lang="mr-IN" dirty="0" smtClean="0">

--- a/presentations/nvc.pptx
+++ b/presentations/nvc.pptx
@@ -1037,7 +1037,7 @@
           <a:p>
             <a:fld id="{B01F9CA3-105E-4857-9057-6DB6197DA786}" type="datetimeFigureOut">
               <a:rPr lang="en-US" smtClean="0"/>
-              <a:t>10/17/16</a:t>
+              <a:t>10/18/16</a:t>
             </a:fld>
             <a:endParaRPr lang="en-US"/>
           </a:p>
@@ -1229,7 +1229,7 @@
           <a:p>
             <a:fld id="{B01F9CA3-105E-4857-9057-6DB6197DA786}" type="datetimeFigureOut">
               <a:rPr lang="en-US" smtClean="0"/>
-              <a:t>10/17/16</a:t>
+              <a:t>10/18/16</a:t>
             </a:fld>
             <a:endParaRPr lang="en-US"/>
           </a:p>
@@ -1498,7 +1498,7 @@
           <a:p>
             <a:fld id="{B01F9CA3-105E-4857-9057-6DB6197DA786}" type="datetimeFigureOut">
               <a:rPr lang="en-US" smtClean="0"/>
-              <a:t>10/17/16</a:t>
+              <a:t>10/18/16</a:t>
             </a:fld>
             <a:endParaRPr lang="en-US"/>
           </a:p>
@@ -1677,7 +1677,7 @@
           <a:p>
             <a:fld id="{B01F9CA3-105E-4857-9057-6DB6197DA786}" type="datetimeFigureOut">
               <a:rPr lang="en-US" smtClean="0"/>
-              <a:t>10/17/16</a:t>
+              <a:t>10/18/16</a:t>
             </a:fld>
             <a:endParaRPr lang="en-US"/>
           </a:p>
@@ -1846,7 +1846,7 @@
           <a:p>
             <a:fld id="{B01F9CA3-105E-4857-9057-6DB6197DA786}" type="datetimeFigureOut">
               <a:rPr lang="en-US" smtClean="0"/>
-              <a:t>10/17/16</a:t>
+              <a:t>10/18/16</a:t>
             </a:fld>
             <a:endParaRPr lang="en-US"/>
           </a:p>
@@ -2088,7 +2088,7 @@
           <a:p>
             <a:fld id="{B01F9CA3-105E-4857-9057-6DB6197DA786}" type="datetimeFigureOut">
               <a:rPr lang="en-US" smtClean="0"/>
-              <a:t>10/17/16</a:t>
+              <a:t>10/18/16</a:t>
             </a:fld>
             <a:endParaRPr lang="en-US"/>
           </a:p>
@@ -2411,7 +2411,7 @@
           <a:p>
             <a:fld id="{B01F9CA3-105E-4857-9057-6DB6197DA786}" type="datetimeFigureOut">
               <a:rPr lang="en-US" smtClean="0"/>
-              <a:t>10/17/16</a:t>
+              <a:t>10/18/16</a:t>
             </a:fld>
             <a:endParaRPr lang="en-US"/>
           </a:p>
@@ -2709,7 +2709,7 @@
           <a:p>
             <a:fld id="{B01F9CA3-105E-4857-9057-6DB6197DA786}" type="datetimeFigureOut">
               <a:rPr lang="en-US" smtClean="0"/>
-              <a:t>10/17/16</a:t>
+              <a:t>10/18/16</a:t>
             </a:fld>
             <a:endParaRPr lang="en-US"/>
           </a:p>
@@ -3165,7 +3165,7 @@
           <a:p>
             <a:fld id="{B01F9CA3-105E-4857-9057-6DB6197DA786}" type="datetimeFigureOut">
               <a:rPr lang="en-US" smtClean="0"/>
-              <a:t>10/17/16</a:t>
+              <a:t>10/18/16</a:t>
             </a:fld>
             <a:endParaRPr lang="en-US"/>
           </a:p>
@@ -3278,7 +3278,7 @@
           <a:p>
             <a:fld id="{B01F9CA3-105E-4857-9057-6DB6197DA786}" type="datetimeFigureOut">
               <a:rPr lang="en-US" smtClean="0"/>
-              <a:t>10/17/16</a:t>
+              <a:t>10/18/16</a:t>
             </a:fld>
             <a:endParaRPr lang="en-US"/>
           </a:p>
@@ -3368,7 +3368,7 @@
           <a:p>
             <a:fld id="{B01F9CA3-105E-4857-9057-6DB6197DA786}" type="datetimeFigureOut">
               <a:rPr lang="en-US" smtClean="0"/>
-              <a:t>10/17/16</a:t>
+              <a:t>10/18/16</a:t>
             </a:fld>
             <a:endParaRPr lang="en-US"/>
           </a:p>
@@ -3650,7 +3650,7 @@
           <a:p>
             <a:fld id="{B01F9CA3-105E-4857-9057-6DB6197DA786}" type="datetimeFigureOut">
               <a:rPr lang="en-US" smtClean="0"/>
-              <a:t>10/17/16</a:t>
+              <a:t>10/18/16</a:t>
             </a:fld>
             <a:endParaRPr lang="en-US"/>
           </a:p>
@@ -3856,7 +3856,7 @@
           <a:p>
             <a:fld id="{B01F9CA3-105E-4857-9057-6DB6197DA786}" type="datetimeFigureOut">
               <a:rPr lang="en-US" smtClean="0"/>
-              <a:t>10/17/16</a:t>
+              <a:t>10/18/16</a:t>
             </a:fld>
             <a:endParaRPr lang="en-US"/>
           </a:p>
@@ -4609,7 +4609,6 @@
               <a:rPr lang="en-US" dirty="0"/>
               <a:t> </a:t>
             </a:r>
-            <a:endParaRPr lang="en-US" dirty="0"/>
           </a:p>
         </p:txBody>
       </p:sp>
@@ -5716,7 +5715,47 @@
                   <a:srgbClr val="5F8804"/>
                 </a:solidFill>
               </a:rPr>
-              <a:t>I see magazines, socks, and food on the floor, and these pots and dirty dishes in the </a:t>
+              <a:t>I see magazines, </a:t>
+            </a:r>
+            <a:r>
+              <a:rPr lang="en-US" dirty="0" smtClean="0">
+                <a:solidFill>
+                  <a:srgbClr val="5F8804"/>
+                </a:solidFill>
+              </a:rPr>
+              <a:t>clothes, </a:t>
+            </a:r>
+            <a:r>
+              <a:rPr lang="en-US" dirty="0">
+                <a:solidFill>
+                  <a:srgbClr val="5F8804"/>
+                </a:solidFill>
+              </a:rPr>
+              <a:t>and food on the floor, </a:t>
+            </a:r>
+            <a:r>
+              <a:rPr lang="en-US">
+                <a:solidFill>
+                  <a:srgbClr val="5F8804"/>
+                </a:solidFill>
+              </a:rPr>
+              <a:t>and </a:t>
+            </a:r>
+            <a:r>
+              <a:rPr lang="en-US" smtClean="0">
+                <a:solidFill>
+                  <a:srgbClr val="5F8804"/>
+                </a:solidFill>
+              </a:rPr>
+              <a:t>dirty </a:t>
+            </a:r>
+            <a:r>
+              <a:rPr lang="en-US" dirty="0">
+                <a:solidFill>
+                  <a:srgbClr val="5F8804"/>
+                </a:solidFill>
+              </a:rPr>
+              <a:t>dishes in the </a:t>
             </a:r>
             <a:r>
               <a:rPr lang="en-US" dirty="0" smtClean="0">
